--- a/apresentação/Trabalho de CG1.pptx
+++ b/apresentação/Trabalho de CG1.pptx
@@ -5,7 +5,7 @@
     <p:sldMasterId id="2147483672" r:id="rId1"/>
   </p:sldMasterIdLst>
   <p:handoutMasterIdLst>
-    <p:handoutMasterId r:id="rId19"/>
+    <p:handoutMasterId r:id="rId23"/>
   </p:handoutMasterIdLst>
   <p:sldIdLst>
     <p:sldId id="256" r:id="rId2"/>
@@ -25,6 +25,10 @@
     <p:sldId id="270" r:id="rId16"/>
     <p:sldId id="271" r:id="rId17"/>
     <p:sldId id="272" r:id="rId18"/>
+    <p:sldId id="273" r:id="rId19"/>
+    <p:sldId id="274" r:id="rId20"/>
+    <p:sldId id="275" r:id="rId21"/>
+    <p:sldId id="276" r:id="rId22"/>
   </p:sldIdLst>
   <p:sldSz cx="9144000" cy="6858000" type="screen4x3"/>
   <p:notesSz cx="6858000" cy="9144000"/>
@@ -123,6 +127,14 @@
       </a:defRPr>
     </a:lvl9pPr>
   </p:defaultTextStyle>
+  <p:extLst>
+    <p:ext uri="{EFAFB233-063F-42B5-8137-9DF3F51BA10A}">
+      <p15:sldGuideLst xmlns:p15="http://schemas.microsoft.com/office/powerpoint/2012/main"/>
+    </p:ext>
+    <p:ext uri="{2D200454-40CA-4A62-9FC3-DE9A4176ACB9}">
+      <p15:notesGuideLst xmlns:p15="http://schemas.microsoft.com/office/powerpoint/2012/main"/>
+    </p:ext>
+  </p:extLst>
 </p:presentation>
 </file>
 
@@ -208,7 +220,7 @@
           <a:p>
             <a:fld id="{0DF8C7BA-04B3-4940-8B97-C89C8D4DA5CB}" type="datetimeFigureOut">
               <a:rPr lang="pt-BR" smtClean="0"/>
-              <a:t>12/09/2014</a:t>
+              <a:t>14/09/2014</a:t>
             </a:fld>
             <a:endParaRPr lang="pt-BR"/>
           </a:p>
@@ -505,7 +517,7 @@
           <a:p>
             <a:fld id="{C764DE79-268F-4C1A-8933-263129D2AF90}" type="datetimeFigureOut">
               <a:rPr lang="en-US" smtClean="0"/>
-              <a:t>12/9/2014</a:t>
+              <a:t>14/9/2014</a:t>
             </a:fld>
             <a:endParaRPr lang="en-US" dirty="0"/>
           </a:p>
@@ -675,7 +687,7 @@
           <a:p>
             <a:fld id="{C764DE79-268F-4C1A-8933-263129D2AF90}" type="datetimeFigureOut">
               <a:rPr lang="en-US" smtClean="0"/>
-              <a:t>12/9/2014</a:t>
+              <a:t>14/9/2014</a:t>
             </a:fld>
             <a:endParaRPr lang="en-US" dirty="0"/>
           </a:p>
@@ -855,7 +867,7 @@
           <a:p>
             <a:fld id="{C764DE79-268F-4C1A-8933-263129D2AF90}" type="datetimeFigureOut">
               <a:rPr lang="en-US" smtClean="0"/>
-              <a:t>12/9/2014</a:t>
+              <a:t>14/9/2014</a:t>
             </a:fld>
             <a:endParaRPr lang="en-US" dirty="0"/>
           </a:p>
@@ -1025,7 +1037,7 @@
           <a:p>
             <a:fld id="{C764DE79-268F-4C1A-8933-263129D2AF90}" type="datetimeFigureOut">
               <a:rPr lang="en-US" smtClean="0"/>
-              <a:t>12/9/2014</a:t>
+              <a:t>14/9/2014</a:t>
             </a:fld>
             <a:endParaRPr lang="en-US" dirty="0"/>
           </a:p>
@@ -1090,12 +1102,9 @@
 <p:sldLayout xmlns:a="http://schemas.openxmlformats.org/drawingml/2006/main" xmlns:r="http://schemas.openxmlformats.org/officeDocument/2006/relationships" xmlns:p="http://schemas.openxmlformats.org/presentationml/2006/main" type="secHead" preserve="1">
   <p:cSld name="Cabeçalho da Seção">
     <p:bg>
-      <p:bgPr>
-        <a:solidFill>
-          <a:srgbClr val="000000"/>
-        </a:solidFill>
-        <a:effectLst/>
-      </p:bgPr>
+      <p:bgRef idx="1003">
+        <a:schemeClr val="bg1"/>
+      </p:bgRef>
     </p:bg>
     <p:spTree>
       <p:nvGrpSpPr>
@@ -1111,58 +1120,6 @@
           <a:chExt cx="0" cy="0"/>
         </a:xfrm>
       </p:grpSpPr>
-      <p:pic>
-        <p:nvPicPr>
-          <p:cNvPr id="8" name="Imagem 7"/>
-          <p:cNvPicPr>
-            <a:picLocks noChangeAspect="1"/>
-          </p:cNvPicPr>
-          <p:nvPr userDrawn="1"/>
-        </p:nvPicPr>
-        <p:blipFill>
-          <a:blip r:embed="rId2">
-            <a:duotone>
-              <a:prstClr val="black"/>
-              <a:schemeClr val="tx2">
-                <a:tint val="45000"/>
-                <a:satMod val="400000"/>
-              </a:schemeClr>
-            </a:duotone>
-            <a:extLst>
-              <a:ext uri="{BEBA8EAE-BF5A-486C-A8C5-ECC9F3942E4B}">
-                <a14:imgProps xmlns:a14="http://schemas.microsoft.com/office/drawing/2010/main">
-                  <a14:imgLayer r:embed="rId3">
-                    <a14:imgEffect>
-                      <a14:sharpenSoften amount="-50000"/>
-                    </a14:imgEffect>
-                    <a14:imgEffect>
-                      <a14:colorTemperature colorTemp="5436"/>
-                    </a14:imgEffect>
-                    <a14:imgEffect>
-                      <a14:brightnessContrast bright="-40000" contrast="-40000"/>
-                    </a14:imgEffect>
-                  </a14:imgLayer>
-                </a14:imgProps>
-              </a:ext>
-              <a:ext uri="{28A0092B-C50C-407E-A947-70E740481C1C}">
-                <a14:useLocalDpi xmlns:a14="http://schemas.microsoft.com/office/drawing/2010/main" val="0"/>
-              </a:ext>
-            </a:extLst>
-          </a:blip>
-          <a:stretch>
-            <a:fillRect/>
-          </a:stretch>
-        </p:blipFill>
-        <p:spPr>
-          <a:xfrm>
-            <a:off x="0" y="445388"/>
-            <a:ext cx="9113078" cy="6129150"/>
-          </a:xfrm>
-          <a:prstGeom prst="rect">
-            <a:avLst/>
-          </a:prstGeom>
-        </p:spPr>
-      </p:pic>
       <p:sp>
         <p:nvSpPr>
           <p:cNvPr id="2" name="Title 1"/>
@@ -1359,7 +1316,7 @@
           <a:p>
             <a:fld id="{C764DE79-268F-4C1A-8933-263129D2AF90}" type="datetimeFigureOut">
               <a:rPr lang="en-US" smtClean="0"/>
-              <a:t>12/9/2014</a:t>
+              <a:t>14/9/2014</a:t>
             </a:fld>
             <a:endParaRPr lang="en-US" dirty="0"/>
           </a:p>
@@ -1415,7 +1372,7 @@
     </p:extLst>
   </p:cSld>
   <p:clrMapOvr>
-    <a:masterClrMapping/>
+    <a:overrideClrMapping bg1="dk1" tx1="lt1" bg2="dk2" tx2="lt2" accent1="accent1" accent2="accent2" accent3="accent3" accent4="accent4" accent5="accent5" accent6="accent6" hlink="hlink" folHlink="folHlink"/>
   </p:clrMapOvr>
 </p:sldLayout>
 </file>
@@ -1595,7 +1552,7 @@
           <a:p>
             <a:fld id="{C764DE79-268F-4C1A-8933-263129D2AF90}" type="datetimeFigureOut">
               <a:rPr lang="en-US" smtClean="0"/>
-              <a:t>12/9/2014</a:t>
+              <a:t>14/9/2014</a:t>
             </a:fld>
             <a:endParaRPr lang="en-US" dirty="0"/>
           </a:p>
@@ -1962,7 +1919,7 @@
           <a:p>
             <a:fld id="{C764DE79-268F-4C1A-8933-263129D2AF90}" type="datetimeFigureOut">
               <a:rPr lang="en-US" smtClean="0"/>
-              <a:t>12/9/2014</a:t>
+              <a:t>14/9/2014</a:t>
             </a:fld>
             <a:endParaRPr lang="en-US" dirty="0"/>
           </a:p>
@@ -2080,7 +2037,7 @@
           <a:p>
             <a:fld id="{C764DE79-268F-4C1A-8933-263129D2AF90}" type="datetimeFigureOut">
               <a:rPr lang="en-US" smtClean="0"/>
-              <a:t>12/9/2014</a:t>
+              <a:t>14/9/2014</a:t>
             </a:fld>
             <a:endParaRPr lang="en-US" dirty="0"/>
           </a:p>
@@ -2175,7 +2132,7 @@
           <a:p>
             <a:fld id="{C764DE79-268F-4C1A-8933-263129D2AF90}" type="datetimeFigureOut">
               <a:rPr lang="en-US" smtClean="0"/>
-              <a:t>12/9/2014</a:t>
+              <a:t>14/9/2014</a:t>
             </a:fld>
             <a:endParaRPr lang="en-US" dirty="0"/>
           </a:p>
@@ -2452,7 +2409,7 @@
           <a:p>
             <a:fld id="{C764DE79-268F-4C1A-8933-263129D2AF90}" type="datetimeFigureOut">
               <a:rPr lang="en-US" smtClean="0"/>
-              <a:t>12/9/2014</a:t>
+              <a:t>14/9/2014</a:t>
             </a:fld>
             <a:endParaRPr lang="en-US" dirty="0"/>
           </a:p>
@@ -2709,7 +2666,7 @@
           <a:p>
             <a:fld id="{C764DE79-268F-4C1A-8933-263129D2AF90}" type="datetimeFigureOut">
               <a:rPr lang="en-US" smtClean="0"/>
-              <a:t>12/9/2014</a:t>
+              <a:t>14/9/2014</a:t>
             </a:fld>
             <a:endParaRPr lang="en-US" dirty="0"/>
           </a:p>
@@ -2925,7 +2882,7 @@
           <a:p>
             <a:fld id="{C764DE79-268F-4C1A-8933-263129D2AF90}" type="datetimeFigureOut">
               <a:rPr lang="en-US" smtClean="0"/>
-              <a:t>12/9/2014</a:t>
+              <a:t>14/9/2014</a:t>
             </a:fld>
             <a:endParaRPr lang="en-US" dirty="0"/>
           </a:p>
@@ -7663,6 +7620,185 @@
 </p:sld>
 </file>
 
+<file path=ppt/slides/slide18.xml><?xml version="1.0" encoding="utf-8"?>
+<p:sld xmlns:a="http://schemas.openxmlformats.org/drawingml/2006/main" xmlns:r="http://schemas.openxmlformats.org/officeDocument/2006/relationships" xmlns:p="http://schemas.openxmlformats.org/presentationml/2006/main">
+  <p:cSld>
+    <p:spTree>
+      <p:nvGrpSpPr>
+        <p:cNvPr id="1" name=""/>
+        <p:cNvGrpSpPr/>
+        <p:nvPr/>
+      </p:nvGrpSpPr>
+      <p:grpSpPr>
+        <a:xfrm>
+          <a:off x="0" y="0"/>
+          <a:ext cx="0" cy="0"/>
+          <a:chOff x="0" y="0"/>
+          <a:chExt cx="0" cy="0"/>
+        </a:xfrm>
+      </p:grpSpPr>
+      <p:sp>
+        <p:nvSpPr>
+          <p:cNvPr id="8" name="Título 7"/>
+          <p:cNvSpPr>
+            <a:spLocks noGrp="1"/>
+          </p:cNvSpPr>
+          <p:nvPr>
+            <p:ph type="title"/>
+          </p:nvPr>
+        </p:nvSpPr>
+        <p:spPr/>
+        <p:txBody>
+          <a:bodyPr/>
+          <a:lstStyle/>
+          <a:p>
+            <a:r>
+              <a:rPr lang="pt-BR" dirty="0" smtClean="0"/>
+              <a:t>Processamentos	</a:t>
+            </a:r>
+            <a:endParaRPr lang="pt-BR" dirty="0"/>
+          </a:p>
+        </p:txBody>
+      </p:sp>
+      <p:sp>
+        <p:nvSpPr>
+          <p:cNvPr id="9" name="Espaço Reservado para Conteúdo 8"/>
+          <p:cNvSpPr>
+            <a:spLocks noGrp="1"/>
+          </p:cNvSpPr>
+          <p:nvPr>
+            <p:ph idx="1"/>
+          </p:nvPr>
+        </p:nvSpPr>
+        <p:spPr/>
+        <p:txBody>
+          <a:bodyPr/>
+          <a:lstStyle/>
+          <a:p>
+            <a:r>
+              <a:rPr lang="pt-BR" dirty="0" smtClean="0"/>
+              <a:t>Quando recebemos um modelo .</a:t>
+            </a:r>
+            <a:r>
+              <a:rPr lang="pt-BR" dirty="0" err="1" smtClean="0"/>
+              <a:t>obj</a:t>
+            </a:r>
+            <a:r>
+              <a:rPr lang="pt-BR" dirty="0" smtClean="0"/>
+              <a:t> procuramos a maior de suas coordenadas para normalizar o modelo.</a:t>
+            </a:r>
+          </a:p>
+          <a:p>
+            <a:r>
+              <a:rPr lang="pt-BR" dirty="0" smtClean="0"/>
+              <a:t>Cálculo do ponto médio também é feito nessa hora, contudo não temos acesso direto a esse valor já que com as transformações o modelo vai mudando seu ponto médio.</a:t>
+            </a:r>
+          </a:p>
+        </p:txBody>
+      </p:sp>
+    </p:spTree>
+    <p:extLst>
+      <p:ext uri="{BB962C8B-B14F-4D97-AF65-F5344CB8AC3E}">
+        <p14:creationId xmlns:p14="http://schemas.microsoft.com/office/powerpoint/2010/main" val="3459274936"/>
+      </p:ext>
+    </p:extLst>
+  </p:cSld>
+  <p:clrMapOvr>
+    <a:masterClrMapping/>
+  </p:clrMapOvr>
+  <p:timing>
+    <p:tnLst>
+      <p:par>
+        <p:cTn id="1" dur="indefinite" restart="never" nodeType="tmRoot"/>
+      </p:par>
+    </p:tnLst>
+  </p:timing>
+</p:sld>
+</file>
+
+<file path=ppt/slides/slide19.xml><?xml version="1.0" encoding="utf-8"?>
+<p:sld xmlns:a="http://schemas.openxmlformats.org/drawingml/2006/main" xmlns:r="http://schemas.openxmlformats.org/officeDocument/2006/relationships" xmlns:p="http://schemas.openxmlformats.org/presentationml/2006/main">
+  <p:cSld>
+    <p:spTree>
+      <p:nvGrpSpPr>
+        <p:cNvPr id="1" name=""/>
+        <p:cNvGrpSpPr/>
+        <p:nvPr/>
+      </p:nvGrpSpPr>
+      <p:grpSpPr>
+        <a:xfrm>
+          <a:off x="0" y="0"/>
+          <a:ext cx="0" cy="0"/>
+          <a:chOff x="0" y="0"/>
+          <a:chExt cx="0" cy="0"/>
+        </a:xfrm>
+      </p:grpSpPr>
+      <p:sp>
+        <p:nvSpPr>
+          <p:cNvPr id="4" name="Título 3"/>
+          <p:cNvSpPr>
+            <a:spLocks noGrp="1"/>
+          </p:cNvSpPr>
+          <p:nvPr>
+            <p:ph type="title"/>
+          </p:nvPr>
+        </p:nvSpPr>
+        <p:spPr/>
+        <p:txBody>
+          <a:bodyPr/>
+          <a:lstStyle/>
+          <a:p>
+            <a:r>
+              <a:rPr lang="pt-BR" dirty="0"/>
+              <a:t>Matrizes de </a:t>
+            </a:r>
+            <a:r>
+              <a:rPr lang="pt-BR" dirty="0" smtClean="0"/>
+              <a:t>Transformação</a:t>
+            </a:r>
+            <a:endParaRPr lang="pt-BR" dirty="0"/>
+          </a:p>
+        </p:txBody>
+      </p:sp>
+      <p:sp>
+        <p:nvSpPr>
+          <p:cNvPr id="5" name="Espaço Reservado para Texto 4"/>
+          <p:cNvSpPr>
+            <a:spLocks noGrp="1"/>
+          </p:cNvSpPr>
+          <p:nvPr>
+            <p:ph type="body" idx="1"/>
+          </p:nvPr>
+        </p:nvSpPr>
+        <p:spPr/>
+        <p:txBody>
+          <a:bodyPr/>
+          <a:lstStyle/>
+          <a:p>
+            <a:endParaRPr lang="pt-BR"/>
+          </a:p>
+        </p:txBody>
+      </p:sp>
+    </p:spTree>
+    <p:extLst>
+      <p:ext uri="{BB962C8B-B14F-4D97-AF65-F5344CB8AC3E}">
+        <p14:creationId xmlns:p14="http://schemas.microsoft.com/office/powerpoint/2010/main" val="3396526645"/>
+      </p:ext>
+    </p:extLst>
+  </p:cSld>
+  <p:clrMapOvr>
+    <a:masterClrMapping/>
+  </p:clrMapOvr>
+  <p:timing>
+    <p:tnLst>
+      <p:par>
+        <p:cTn id="1" dur="indefinite" restart="never" nodeType="tmRoot"/>
+      </p:par>
+    </p:tnLst>
+  </p:timing>
+</p:sld>
+</file>
+
 <file path=ppt/slides/slide2.xml><?xml version="1.0" encoding="utf-8"?>
 <p:sld xmlns:a="http://schemas.openxmlformats.org/drawingml/2006/main" xmlns:r="http://schemas.openxmlformats.org/officeDocument/2006/relationships" xmlns:p="http://schemas.openxmlformats.org/presentationml/2006/main">
   <p:cSld>
@@ -7730,13 +7866,18 @@
             </a:r>
           </a:p>
           <a:p>
+            <a:pPr lvl="1"/>
             <a:r>
               <a:rPr lang="pt-BR" dirty="0" smtClean="0"/>
               <a:t>Processamentos </a:t>
             </a:r>
             <a:r>
+              <a:rPr lang="pt-BR" dirty="0" smtClean="0"/>
+              <a:t>antes da </a:t>
+            </a:r>
+            <a:r>
               <a:rPr lang="pt-BR" dirty="0" err="1" smtClean="0"/>
-              <a:t>pré-renderização</a:t>
+              <a:t>renderização</a:t>
             </a:r>
             <a:endParaRPr lang="pt-BR" dirty="0" smtClean="0"/>
           </a:p>
@@ -7769,11 +7910,11 @@
   <p:clrMapOvr>
     <a:masterClrMapping/>
   </p:clrMapOvr>
-  <mc:AlternateContent xmlns:mc="http://schemas.openxmlformats.org/markup-compatibility/2006">
-    <mc:Choice xmlns:p14="http://schemas.microsoft.com/office/powerpoint/2010/main" Requires="p14">
+  <mc:AlternateContent xmlns:mc="http://schemas.openxmlformats.org/markup-compatibility/2006" xmlns:p14="http://schemas.microsoft.com/office/powerpoint/2010/main">
+    <mc:Choice Requires="p14">
       <p:transition p14:dur="0"/>
     </mc:Choice>
-    <mc:Fallback>
+    <mc:Fallback xmlns="">
       <p:transition/>
     </mc:Fallback>
   </mc:AlternateContent>
@@ -7784,6 +7925,214 @@
       </p:par>
     </p:tnLst>
   </p:timing>
+</p:sld>
+</file>
+
+<file path=ppt/slides/slide20.xml><?xml version="1.0" encoding="utf-8"?>
+<p:sld xmlns:a="http://schemas.openxmlformats.org/drawingml/2006/main" xmlns:r="http://schemas.openxmlformats.org/officeDocument/2006/relationships" xmlns:p="http://schemas.openxmlformats.org/presentationml/2006/main">
+  <p:cSld>
+    <p:spTree>
+      <p:nvGrpSpPr>
+        <p:cNvPr id="1" name=""/>
+        <p:cNvGrpSpPr/>
+        <p:nvPr/>
+      </p:nvGrpSpPr>
+      <p:grpSpPr>
+        <a:xfrm>
+          <a:off x="0" y="0"/>
+          <a:ext cx="0" cy="0"/>
+          <a:chOff x="0" y="0"/>
+          <a:chExt cx="0" cy="0"/>
+        </a:xfrm>
+      </p:grpSpPr>
+      <p:sp>
+        <p:nvSpPr>
+          <p:cNvPr id="7" name="Retângulo 6"/>
+          <p:cNvSpPr/>
+          <p:nvPr/>
+        </p:nvSpPr>
+        <p:spPr>
+          <a:xfrm>
+            <a:off x="628650" y="1970468"/>
+            <a:ext cx="7886700" cy="4545173"/>
+          </a:xfrm>
+          <a:prstGeom prst="rect">
+            <a:avLst/>
+          </a:prstGeom>
+          <a:solidFill>
+            <a:srgbClr val="141414"/>
+          </a:solidFill>
+          <a:ln w="57150">
+            <a:solidFill>
+              <a:schemeClr val="bg1"/>
+            </a:solidFill>
+          </a:ln>
+        </p:spPr>
+        <p:style>
+          <a:lnRef idx="2">
+            <a:schemeClr val="accent1">
+              <a:shade val="50000"/>
+            </a:schemeClr>
+          </a:lnRef>
+          <a:fillRef idx="1">
+            <a:schemeClr val="accent1"/>
+          </a:fillRef>
+          <a:effectRef idx="0">
+            <a:schemeClr val="accent1"/>
+          </a:effectRef>
+          <a:fontRef idx="minor">
+            <a:schemeClr val="lt1"/>
+          </a:fontRef>
+        </p:style>
+        <p:txBody>
+          <a:bodyPr rtlCol="0" anchor="ctr"/>
+          <a:lstStyle/>
+          <a:p>
+            <a:pPr algn="ctr"/>
+            <a:endParaRPr lang="pt-BR"/>
+          </a:p>
+        </p:txBody>
+      </p:sp>
+      <p:sp>
+        <p:nvSpPr>
+          <p:cNvPr id="4" name="Título 3"/>
+          <p:cNvSpPr>
+            <a:spLocks noGrp="1"/>
+          </p:cNvSpPr>
+          <p:nvPr>
+            <p:ph type="title"/>
+          </p:nvPr>
+        </p:nvSpPr>
+        <p:spPr/>
+        <p:txBody>
+          <a:bodyPr/>
+          <a:lstStyle/>
+          <a:p>
+            <a:r>
+              <a:rPr lang="pt-BR" dirty="0" smtClean="0"/>
+              <a:t>Matrix de Transformação</a:t>
+            </a:r>
+            <a:endParaRPr lang="pt-BR" dirty="0"/>
+          </a:p>
+        </p:txBody>
+      </p:sp>
+      <p:pic>
+        <p:nvPicPr>
+          <p:cNvPr id="6" name="Espaço Reservado para Conteúdo 5" descr="D:\Github\final-cg1\src\transformmatrix.h - Sublime Text 2 (UNREGISTERED)"/>
+          <p:cNvPicPr>
+            <a:picLocks noGrp="1" noChangeAspect="1"/>
+          </p:cNvPicPr>
+          <p:nvPr>
+            <p:ph idx="1"/>
+          </p:nvPr>
+        </p:nvPicPr>
+        <p:blipFill rotWithShape="1">
+          <a:blip r:embed="rId2">
+            <a:extLst>
+              <a:ext uri="{28A0092B-C50C-407E-A947-70E740481C1C}">
+                <a14:useLocalDpi xmlns:a14="http://schemas.microsoft.com/office/drawing/2010/main" val="0"/>
+              </a:ext>
+            </a:extLst>
+          </a:blip>
+          <a:srcRect l="5419" t="24159" r="54736" b="12899"/>
+          <a:stretch/>
+        </p:blipFill>
+        <p:spPr>
+          <a:xfrm>
+            <a:off x="1956381" y="2019300"/>
+            <a:ext cx="5231237" cy="4448716"/>
+          </a:xfrm>
+        </p:spPr>
+      </p:pic>
+    </p:spTree>
+    <p:extLst>
+      <p:ext uri="{BB962C8B-B14F-4D97-AF65-F5344CB8AC3E}">
+        <p14:creationId xmlns:p14="http://schemas.microsoft.com/office/powerpoint/2010/main" val="885118422"/>
+      </p:ext>
+    </p:extLst>
+  </p:cSld>
+  <p:clrMapOvr>
+    <a:masterClrMapping/>
+  </p:clrMapOvr>
+  <p:timing>
+    <p:tnLst>
+      <p:par>
+        <p:cTn id="1" dur="indefinite" restart="never" nodeType="tmRoot"/>
+      </p:par>
+    </p:tnLst>
+  </p:timing>
+</p:sld>
+</file>
+
+<file path=ppt/slides/slide21.xml><?xml version="1.0" encoding="utf-8"?>
+<p:sld xmlns:a="http://schemas.openxmlformats.org/drawingml/2006/main" xmlns:r="http://schemas.openxmlformats.org/officeDocument/2006/relationships" xmlns:p="http://schemas.openxmlformats.org/presentationml/2006/main">
+  <p:cSld>
+    <p:spTree>
+      <p:nvGrpSpPr>
+        <p:cNvPr id="1" name=""/>
+        <p:cNvGrpSpPr/>
+        <p:nvPr/>
+      </p:nvGrpSpPr>
+      <p:grpSpPr>
+        <a:xfrm>
+          <a:off x="0" y="0"/>
+          <a:ext cx="0" cy="0"/>
+          <a:chOff x="0" y="0"/>
+          <a:chExt cx="0" cy="0"/>
+        </a:xfrm>
+      </p:grpSpPr>
+      <p:sp>
+        <p:nvSpPr>
+          <p:cNvPr id="2" name="Título 1"/>
+          <p:cNvSpPr>
+            <a:spLocks noGrp="1"/>
+          </p:cNvSpPr>
+          <p:nvPr>
+            <p:ph type="title"/>
+          </p:nvPr>
+        </p:nvSpPr>
+        <p:spPr/>
+        <p:txBody>
+          <a:bodyPr/>
+          <a:lstStyle/>
+          <a:p>
+            <a:r>
+              <a:rPr lang="pt-BR" dirty="0" smtClean="0"/>
+              <a:t>Sobrecarga de Operador</a:t>
+            </a:r>
+            <a:endParaRPr lang="pt-BR" dirty="0"/>
+          </a:p>
+        </p:txBody>
+      </p:sp>
+      <p:sp>
+        <p:nvSpPr>
+          <p:cNvPr id="3" name="Espaço Reservado para Conteúdo 2"/>
+          <p:cNvSpPr>
+            <a:spLocks noGrp="1"/>
+          </p:cNvSpPr>
+          <p:nvPr>
+            <p:ph idx="1"/>
+          </p:nvPr>
+        </p:nvSpPr>
+        <p:spPr/>
+        <p:txBody>
+          <a:bodyPr/>
+          <a:lstStyle/>
+          <a:p>
+            <a:endParaRPr lang="pt-BR" dirty="0"/>
+          </a:p>
+        </p:txBody>
+      </p:sp>
+    </p:spTree>
+    <p:extLst>
+      <p:ext uri="{BB962C8B-B14F-4D97-AF65-F5344CB8AC3E}">
+        <p14:creationId xmlns:p14="http://schemas.microsoft.com/office/powerpoint/2010/main" val="630361573"/>
+      </p:ext>
+    </p:extLst>
+  </p:cSld>
+  <p:clrMapOvr>
+    <a:masterClrMapping/>
+  </p:clrMapOvr>
 </p:sld>
 </file>
 
@@ -7829,7 +8178,7 @@
       </p:sp>
       <p:sp>
         <p:nvSpPr>
-          <p:cNvPr id="5" name="Espaço Reservado para Texto 4"/>
+          <p:cNvPr id="2" name="Espaço Reservado para Texto 1"/>
           <p:cNvSpPr>
             <a:spLocks noGrp="1"/>
           </p:cNvSpPr>
@@ -7856,11 +8205,11 @@
   <p:clrMapOvr>
     <a:masterClrMapping/>
   </p:clrMapOvr>
-  <mc:AlternateContent xmlns:mc="http://schemas.openxmlformats.org/markup-compatibility/2006">
-    <mc:Choice xmlns:p14="http://schemas.microsoft.com/office/powerpoint/2010/main" Requires="p14">
+  <mc:AlternateContent xmlns:mc="http://schemas.openxmlformats.org/markup-compatibility/2006" xmlns:p14="http://schemas.microsoft.com/office/powerpoint/2010/main">
+    <mc:Choice Requires="p14">
       <p:transition p14:dur="0"/>
     </mc:Choice>
-    <mc:Fallback>
+    <mc:Fallback xmlns="">
       <p:transition/>
     </mc:Fallback>
   </mc:AlternateContent>

--- a/apresentação/Trabalho de CG1.pptx
+++ b/apresentação/Trabalho de CG1.pptx
@@ -4,8 +4,11 @@
   <p:sldMasterIdLst>
     <p:sldMasterId id="2147483672" r:id="rId1"/>
   </p:sldMasterIdLst>
+  <p:notesMasterIdLst>
+    <p:notesMasterId r:id="rId32"/>
+  </p:notesMasterIdLst>
   <p:handoutMasterIdLst>
-    <p:handoutMasterId r:id="rId23"/>
+    <p:handoutMasterId r:id="rId33"/>
   </p:handoutMasterIdLst>
   <p:sldIdLst>
     <p:sldId id="256" r:id="rId2"/>
@@ -29,6 +32,15 @@
     <p:sldId id="274" r:id="rId20"/>
     <p:sldId id="275" r:id="rId21"/>
     <p:sldId id="276" r:id="rId22"/>
+    <p:sldId id="278" r:id="rId23"/>
+    <p:sldId id="280" r:id="rId24"/>
+    <p:sldId id="281" r:id="rId25"/>
+    <p:sldId id="282" r:id="rId26"/>
+    <p:sldId id="283" r:id="rId27"/>
+    <p:sldId id="284" r:id="rId28"/>
+    <p:sldId id="279" r:id="rId29"/>
+    <p:sldId id="285" r:id="rId30"/>
+    <p:sldId id="286" r:id="rId31"/>
   </p:sldIdLst>
   <p:sldSz cx="9144000" cy="6858000" type="screen4x3"/>
   <p:notesSz cx="6858000" cy="9144000"/>
@@ -187,7 +199,7 @@
             </a:lvl1pPr>
           </a:lstStyle>
           <a:p>
-            <a:endParaRPr lang="pt-BR"/>
+            <a:endParaRPr lang="pt-BR" dirty="0"/>
           </a:p>
         </p:txBody>
       </p:sp>
@@ -220,9 +232,9 @@
           <a:p>
             <a:fld id="{0DF8C7BA-04B3-4940-8B97-C89C8D4DA5CB}" type="datetimeFigureOut">
               <a:rPr lang="pt-BR" smtClean="0"/>
-              <a:t>14/09/2014</a:t>
+              <a:t>21/09/2014</a:t>
             </a:fld>
-            <a:endParaRPr lang="pt-BR"/>
+            <a:endParaRPr lang="pt-BR" dirty="0"/>
           </a:p>
         </p:txBody>
       </p:sp>
@@ -253,7 +265,7 @@
             </a:lvl1pPr>
           </a:lstStyle>
           <a:p>
-            <a:endParaRPr lang="pt-BR"/>
+            <a:endParaRPr lang="pt-BR" dirty="0"/>
           </a:p>
         </p:txBody>
       </p:sp>
@@ -288,7 +300,7 @@
               <a:rPr lang="pt-BR" smtClean="0"/>
               <a:t>‹nº›</a:t>
             </a:fld>
-            <a:endParaRPr lang="pt-BR"/>
+            <a:endParaRPr lang="pt-BR" dirty="0"/>
           </a:p>
         </p:txBody>
       </p:sp>
@@ -301,6 +313,464 @@
   </p:cSld>
   <p:clrMap bg1="lt1" tx1="dk1" bg2="lt2" tx2="dk2" accent1="accent1" accent2="accent2" accent3="accent3" accent4="accent4" accent5="accent5" accent6="accent6" hlink="hlink" folHlink="folHlink"/>
 </p:handoutMaster>
+</file>
+
+<file path=ppt/notesMasters/notesMaster1.xml><?xml version="1.0" encoding="utf-8"?>
+<p:notesMaster xmlns:a="http://schemas.openxmlformats.org/drawingml/2006/main" xmlns:r="http://schemas.openxmlformats.org/officeDocument/2006/relationships" xmlns:p="http://schemas.openxmlformats.org/presentationml/2006/main">
+  <p:cSld>
+    <p:bg>
+      <p:bgRef idx="1001">
+        <a:schemeClr val="bg1"/>
+      </p:bgRef>
+    </p:bg>
+    <p:spTree>
+      <p:nvGrpSpPr>
+        <p:cNvPr id="1" name=""/>
+        <p:cNvGrpSpPr/>
+        <p:nvPr/>
+      </p:nvGrpSpPr>
+      <p:grpSpPr>
+        <a:xfrm>
+          <a:off x="0" y="0"/>
+          <a:ext cx="0" cy="0"/>
+          <a:chOff x="0" y="0"/>
+          <a:chExt cx="0" cy="0"/>
+        </a:xfrm>
+      </p:grpSpPr>
+      <p:sp>
+        <p:nvSpPr>
+          <p:cNvPr id="2" name="Espaço Reservado para Cabeçalho 1"/>
+          <p:cNvSpPr>
+            <a:spLocks noGrp="1"/>
+          </p:cNvSpPr>
+          <p:nvPr>
+            <p:ph type="hdr" sz="quarter"/>
+          </p:nvPr>
+        </p:nvSpPr>
+        <p:spPr>
+          <a:xfrm>
+            <a:off x="0" y="0"/>
+            <a:ext cx="2971800" cy="458788"/>
+          </a:xfrm>
+          <a:prstGeom prst="rect">
+            <a:avLst/>
+          </a:prstGeom>
+        </p:spPr>
+        <p:txBody>
+          <a:bodyPr vert="horz" lIns="91440" tIns="45720" rIns="91440" bIns="45720" rtlCol="0"/>
+          <a:lstStyle>
+            <a:lvl1pPr algn="l">
+              <a:defRPr sz="1200"/>
+            </a:lvl1pPr>
+          </a:lstStyle>
+          <a:p>
+            <a:endParaRPr lang="pt-BR" dirty="0"/>
+          </a:p>
+        </p:txBody>
+      </p:sp>
+      <p:sp>
+        <p:nvSpPr>
+          <p:cNvPr id="3" name="Espaço Reservado para Data 2"/>
+          <p:cNvSpPr>
+            <a:spLocks noGrp="1"/>
+          </p:cNvSpPr>
+          <p:nvPr>
+            <p:ph type="dt" idx="1"/>
+          </p:nvPr>
+        </p:nvSpPr>
+        <p:spPr>
+          <a:xfrm>
+            <a:off x="3884613" y="0"/>
+            <a:ext cx="2971800" cy="458788"/>
+          </a:xfrm>
+          <a:prstGeom prst="rect">
+            <a:avLst/>
+          </a:prstGeom>
+        </p:spPr>
+        <p:txBody>
+          <a:bodyPr vert="horz" lIns="91440" tIns="45720" rIns="91440" bIns="45720" rtlCol="0"/>
+          <a:lstStyle>
+            <a:lvl1pPr algn="r">
+              <a:defRPr sz="1200"/>
+            </a:lvl1pPr>
+          </a:lstStyle>
+          <a:p>
+            <a:fld id="{CD40701B-493A-4301-887B-702D47DB3F9E}" type="datetimeFigureOut">
+              <a:rPr lang="pt-BR" smtClean="0"/>
+              <a:t>21/09/2014</a:t>
+            </a:fld>
+            <a:endParaRPr lang="pt-BR" dirty="0"/>
+          </a:p>
+        </p:txBody>
+      </p:sp>
+      <p:sp>
+        <p:nvSpPr>
+          <p:cNvPr id="4" name="Espaço Reservado para Imagem de Slide 3"/>
+          <p:cNvSpPr>
+            <a:spLocks noGrp="1" noRot="1" noChangeAspect="1"/>
+          </p:cNvSpPr>
+          <p:nvPr>
+            <p:ph type="sldImg" idx="2"/>
+          </p:nvPr>
+        </p:nvSpPr>
+        <p:spPr>
+          <a:xfrm>
+            <a:off x="1371600" y="1143000"/>
+            <a:ext cx="4114800" cy="3086100"/>
+          </a:xfrm>
+          <a:prstGeom prst="rect">
+            <a:avLst/>
+          </a:prstGeom>
+          <a:noFill/>
+          <a:ln w="12700">
+            <a:solidFill>
+              <a:prstClr val="black"/>
+            </a:solidFill>
+          </a:ln>
+        </p:spPr>
+        <p:txBody>
+          <a:bodyPr vert="horz" lIns="91440" tIns="45720" rIns="91440" bIns="45720" rtlCol="0" anchor="ctr"/>
+          <a:lstStyle/>
+          <a:p>
+            <a:endParaRPr lang="pt-BR" dirty="0"/>
+          </a:p>
+        </p:txBody>
+      </p:sp>
+      <p:sp>
+        <p:nvSpPr>
+          <p:cNvPr id="5" name="Espaço Reservado para Anotações 4"/>
+          <p:cNvSpPr>
+            <a:spLocks noGrp="1"/>
+          </p:cNvSpPr>
+          <p:nvPr>
+            <p:ph type="body" sz="quarter" idx="3"/>
+          </p:nvPr>
+        </p:nvSpPr>
+        <p:spPr>
+          <a:xfrm>
+            <a:off x="685800" y="4400550"/>
+            <a:ext cx="5486400" cy="3600450"/>
+          </a:xfrm>
+          <a:prstGeom prst="rect">
+            <a:avLst/>
+          </a:prstGeom>
+        </p:spPr>
+        <p:txBody>
+          <a:bodyPr vert="horz" lIns="91440" tIns="45720" rIns="91440" bIns="45720" rtlCol="0"/>
+          <a:lstStyle/>
+          <a:p>
+            <a:pPr lvl="0"/>
+            <a:r>
+              <a:rPr lang="pt-BR" smtClean="0"/>
+              <a:t>Clique para editar o texto mestre</a:t>
+            </a:r>
+          </a:p>
+          <a:p>
+            <a:pPr lvl="1"/>
+            <a:r>
+              <a:rPr lang="pt-BR" smtClean="0"/>
+              <a:t>Segundo nível</a:t>
+            </a:r>
+          </a:p>
+          <a:p>
+            <a:pPr lvl="2"/>
+            <a:r>
+              <a:rPr lang="pt-BR" smtClean="0"/>
+              <a:t>Terceiro nível</a:t>
+            </a:r>
+          </a:p>
+          <a:p>
+            <a:pPr lvl="3"/>
+            <a:r>
+              <a:rPr lang="pt-BR" smtClean="0"/>
+              <a:t>Quarto nível</a:t>
+            </a:r>
+          </a:p>
+          <a:p>
+            <a:pPr lvl="4"/>
+            <a:r>
+              <a:rPr lang="pt-BR" smtClean="0"/>
+              <a:t>Quinto nível</a:t>
+            </a:r>
+            <a:endParaRPr lang="pt-BR"/>
+          </a:p>
+        </p:txBody>
+      </p:sp>
+      <p:sp>
+        <p:nvSpPr>
+          <p:cNvPr id="6" name="Espaço Reservado para Rodapé 5"/>
+          <p:cNvSpPr>
+            <a:spLocks noGrp="1"/>
+          </p:cNvSpPr>
+          <p:nvPr>
+            <p:ph type="ftr" sz="quarter" idx="4"/>
+          </p:nvPr>
+        </p:nvSpPr>
+        <p:spPr>
+          <a:xfrm>
+            <a:off x="0" y="8685213"/>
+            <a:ext cx="2971800" cy="458787"/>
+          </a:xfrm>
+          <a:prstGeom prst="rect">
+            <a:avLst/>
+          </a:prstGeom>
+        </p:spPr>
+        <p:txBody>
+          <a:bodyPr vert="horz" lIns="91440" tIns="45720" rIns="91440" bIns="45720" rtlCol="0" anchor="b"/>
+          <a:lstStyle>
+            <a:lvl1pPr algn="l">
+              <a:defRPr sz="1200"/>
+            </a:lvl1pPr>
+          </a:lstStyle>
+          <a:p>
+            <a:endParaRPr lang="pt-BR" dirty="0"/>
+          </a:p>
+        </p:txBody>
+      </p:sp>
+      <p:sp>
+        <p:nvSpPr>
+          <p:cNvPr id="7" name="Espaço Reservado para Número de Slide 6"/>
+          <p:cNvSpPr>
+            <a:spLocks noGrp="1"/>
+          </p:cNvSpPr>
+          <p:nvPr>
+            <p:ph type="sldNum" sz="quarter" idx="5"/>
+          </p:nvPr>
+        </p:nvSpPr>
+        <p:spPr>
+          <a:xfrm>
+            <a:off x="3884613" y="8685213"/>
+            <a:ext cx="2971800" cy="458787"/>
+          </a:xfrm>
+          <a:prstGeom prst="rect">
+            <a:avLst/>
+          </a:prstGeom>
+        </p:spPr>
+        <p:txBody>
+          <a:bodyPr vert="horz" lIns="91440" tIns="45720" rIns="91440" bIns="45720" rtlCol="0" anchor="b"/>
+          <a:lstStyle>
+            <a:lvl1pPr algn="r">
+              <a:defRPr sz="1200"/>
+            </a:lvl1pPr>
+          </a:lstStyle>
+          <a:p>
+            <a:fld id="{75F00152-0105-4E31-9640-C3F0F70AC367}" type="slidenum">
+              <a:rPr lang="pt-BR" smtClean="0"/>
+              <a:t>‹nº›</a:t>
+            </a:fld>
+            <a:endParaRPr lang="pt-BR" dirty="0"/>
+          </a:p>
+        </p:txBody>
+      </p:sp>
+    </p:spTree>
+    <p:extLst>
+      <p:ext uri="{BB962C8B-B14F-4D97-AF65-F5344CB8AC3E}">
+        <p14:creationId xmlns:p14="http://schemas.microsoft.com/office/powerpoint/2010/main" val="4076898197"/>
+      </p:ext>
+    </p:extLst>
+  </p:cSld>
+  <p:clrMap bg1="lt1" tx1="dk1" bg2="lt2" tx2="dk2" accent1="accent1" accent2="accent2" accent3="accent3" accent4="accent4" accent5="accent5" accent6="accent6" hlink="hlink" folHlink="folHlink"/>
+  <p:notesStyle>
+    <a:lvl1pPr marL="0" algn="l" defTabSz="914400" rtl="0" eaLnBrk="1" latinLnBrk="0" hangingPunct="1">
+      <a:defRPr sz="1200" kern="1200">
+        <a:solidFill>
+          <a:schemeClr val="tx1"/>
+        </a:solidFill>
+        <a:latin typeface="+mn-lt"/>
+        <a:ea typeface="+mn-ea"/>
+        <a:cs typeface="+mn-cs"/>
+      </a:defRPr>
+    </a:lvl1pPr>
+    <a:lvl2pPr marL="457200" algn="l" defTabSz="914400" rtl="0" eaLnBrk="1" latinLnBrk="0" hangingPunct="1">
+      <a:defRPr sz="1200" kern="1200">
+        <a:solidFill>
+          <a:schemeClr val="tx1"/>
+        </a:solidFill>
+        <a:latin typeface="+mn-lt"/>
+        <a:ea typeface="+mn-ea"/>
+        <a:cs typeface="+mn-cs"/>
+      </a:defRPr>
+    </a:lvl2pPr>
+    <a:lvl3pPr marL="914400" algn="l" defTabSz="914400" rtl="0" eaLnBrk="1" latinLnBrk="0" hangingPunct="1">
+      <a:defRPr sz="1200" kern="1200">
+        <a:solidFill>
+          <a:schemeClr val="tx1"/>
+        </a:solidFill>
+        <a:latin typeface="+mn-lt"/>
+        <a:ea typeface="+mn-ea"/>
+        <a:cs typeface="+mn-cs"/>
+      </a:defRPr>
+    </a:lvl3pPr>
+    <a:lvl4pPr marL="1371600" algn="l" defTabSz="914400" rtl="0" eaLnBrk="1" latinLnBrk="0" hangingPunct="1">
+      <a:defRPr sz="1200" kern="1200">
+        <a:solidFill>
+          <a:schemeClr val="tx1"/>
+        </a:solidFill>
+        <a:latin typeface="+mn-lt"/>
+        <a:ea typeface="+mn-ea"/>
+        <a:cs typeface="+mn-cs"/>
+      </a:defRPr>
+    </a:lvl4pPr>
+    <a:lvl5pPr marL="1828800" algn="l" defTabSz="914400" rtl="0" eaLnBrk="1" latinLnBrk="0" hangingPunct="1">
+      <a:defRPr sz="1200" kern="1200">
+        <a:solidFill>
+          <a:schemeClr val="tx1"/>
+        </a:solidFill>
+        <a:latin typeface="+mn-lt"/>
+        <a:ea typeface="+mn-ea"/>
+        <a:cs typeface="+mn-cs"/>
+      </a:defRPr>
+    </a:lvl5pPr>
+    <a:lvl6pPr marL="2286000" algn="l" defTabSz="914400" rtl="0" eaLnBrk="1" latinLnBrk="0" hangingPunct="1">
+      <a:defRPr sz="1200" kern="1200">
+        <a:solidFill>
+          <a:schemeClr val="tx1"/>
+        </a:solidFill>
+        <a:latin typeface="+mn-lt"/>
+        <a:ea typeface="+mn-ea"/>
+        <a:cs typeface="+mn-cs"/>
+      </a:defRPr>
+    </a:lvl6pPr>
+    <a:lvl7pPr marL="2743200" algn="l" defTabSz="914400" rtl="0" eaLnBrk="1" latinLnBrk="0" hangingPunct="1">
+      <a:defRPr sz="1200" kern="1200">
+        <a:solidFill>
+          <a:schemeClr val="tx1"/>
+        </a:solidFill>
+        <a:latin typeface="+mn-lt"/>
+        <a:ea typeface="+mn-ea"/>
+        <a:cs typeface="+mn-cs"/>
+      </a:defRPr>
+    </a:lvl7pPr>
+    <a:lvl8pPr marL="3200400" algn="l" defTabSz="914400" rtl="0" eaLnBrk="1" latinLnBrk="0" hangingPunct="1">
+      <a:defRPr sz="1200" kern="1200">
+        <a:solidFill>
+          <a:schemeClr val="tx1"/>
+        </a:solidFill>
+        <a:latin typeface="+mn-lt"/>
+        <a:ea typeface="+mn-ea"/>
+        <a:cs typeface="+mn-cs"/>
+      </a:defRPr>
+    </a:lvl8pPr>
+    <a:lvl9pPr marL="3657600" algn="l" defTabSz="914400" rtl="0" eaLnBrk="1" latinLnBrk="0" hangingPunct="1">
+      <a:defRPr sz="1200" kern="1200">
+        <a:solidFill>
+          <a:schemeClr val="tx1"/>
+        </a:solidFill>
+        <a:latin typeface="+mn-lt"/>
+        <a:ea typeface="+mn-ea"/>
+        <a:cs typeface="+mn-cs"/>
+      </a:defRPr>
+    </a:lvl9pPr>
+  </p:notesStyle>
+</p:notesMaster>
+</file>
+
+<file path=ppt/notesSlides/notesSlide1.xml><?xml version="1.0" encoding="utf-8"?>
+<p:notes xmlns:a="http://schemas.openxmlformats.org/drawingml/2006/main" xmlns:r="http://schemas.openxmlformats.org/officeDocument/2006/relationships" xmlns:p="http://schemas.openxmlformats.org/presentationml/2006/main">
+  <p:cSld>
+    <p:spTree>
+      <p:nvGrpSpPr>
+        <p:cNvPr id="1" name=""/>
+        <p:cNvGrpSpPr/>
+        <p:nvPr/>
+      </p:nvGrpSpPr>
+      <p:grpSpPr>
+        <a:xfrm>
+          <a:off x="0" y="0"/>
+          <a:ext cx="0" cy="0"/>
+          <a:chOff x="0" y="0"/>
+          <a:chExt cx="0" cy="0"/>
+        </a:xfrm>
+      </p:grpSpPr>
+      <p:sp>
+        <p:nvSpPr>
+          <p:cNvPr id="7" name="Espaço Reservado para Número de Slide 6"/>
+          <p:cNvSpPr txBox="1">
+            <a:spLocks noGrp="1"/>
+          </p:cNvSpPr>
+          <p:nvPr>
+            <p:ph type="sldNum" sz="quarter" idx="5"/>
+          </p:nvPr>
+        </p:nvSpPr>
+        <p:spPr>
+          <a:ln/>
+        </p:spPr>
+        <p:txBody>
+          <a:bodyPr lIns="0" tIns="0" rIns="0" bIns="0" anchor="b" anchorCtr="0">
+            <a:noAutofit/>
+          </a:bodyPr>
+          <a:lstStyle/>
+          <a:p>
+            <a:pPr lvl="0"/>
+            <a:fld id="{0D603B7A-AE08-49E9-BFC8-E3CC8EFA0C3E}" type="slidenum">
+              <a:t>22</a:t>
+            </a:fld>
+            <a:endParaRPr lang="de-DE"/>
+          </a:p>
+        </p:txBody>
+      </p:sp>
+      <p:sp>
+        <p:nvSpPr>
+          <p:cNvPr id="2" name="Espaço Reservado para Imagem de Slide 1"/>
+          <p:cNvSpPr>
+            <a:spLocks noGrp="1" noRot="1" noChangeAspect="1" noResize="1"/>
+          </p:cNvSpPr>
+          <p:nvPr>
+            <p:ph type="sldImg"/>
+          </p:nvPr>
+        </p:nvSpPr>
+        <p:spPr>
+          <a:xfrm>
+            <a:off x="1106488" y="812800"/>
+            <a:ext cx="5345112" cy="4008438"/>
+          </a:xfrm>
+          <a:solidFill>
+            <a:srgbClr val="729FCF"/>
+          </a:solidFill>
+          <a:ln w="25400">
+            <a:solidFill>
+              <a:srgbClr val="3465AF"/>
+            </a:solidFill>
+            <a:prstDash val="solid"/>
+          </a:ln>
+        </p:spPr>
+      </p:sp>
+      <p:sp>
+        <p:nvSpPr>
+          <p:cNvPr id="3" name="Espaço Reservado para Anotações 2"/>
+          <p:cNvSpPr txBox="1">
+            <a:spLocks noGrp="1"/>
+          </p:cNvSpPr>
+          <p:nvPr>
+            <p:ph type="body" sz="quarter" idx="1"/>
+          </p:nvPr>
+        </p:nvSpPr>
+        <p:spPr/>
+        <p:txBody>
+          <a:bodyPr>
+            <a:spAutoFit/>
+          </a:bodyPr>
+          <a:lstStyle/>
+          <a:p>
+            <a:endParaRPr lang="de-DE" sz="2000">
+              <a:latin typeface="Arial" pitchFamily="18"/>
+              <a:ea typeface="Microsoft YaHei" pitchFamily="2"/>
+              <a:cs typeface="Mangal" pitchFamily="2"/>
+            </a:endParaRPr>
+          </a:p>
+        </p:txBody>
+      </p:sp>
+    </p:spTree>
+    <p:extLst>
+      <p:ext uri="{BB962C8B-B14F-4D97-AF65-F5344CB8AC3E}">
+        <p14:creationId xmlns:p14="http://schemas.microsoft.com/office/powerpoint/2010/main" val="2347831658"/>
+      </p:ext>
+    </p:extLst>
+  </p:cSld>
+  <p:clrMapOvr>
+    <a:masterClrMapping/>
+  </p:clrMapOvr>
+</p:notes>
 </file>
 
 <file path=ppt/slideLayouts/slideLayout1.xml><?xml version="1.0" encoding="utf-8"?>
@@ -517,7 +987,7 @@
           <a:p>
             <a:fld id="{C764DE79-268F-4C1A-8933-263129D2AF90}" type="datetimeFigureOut">
               <a:rPr lang="en-US" smtClean="0"/>
-              <a:t>14/9/2014</a:t>
+              <a:t>21/9/2014</a:t>
             </a:fld>
             <a:endParaRPr lang="en-US" dirty="0"/>
           </a:p>
@@ -687,7 +1157,7 @@
           <a:p>
             <a:fld id="{C764DE79-268F-4C1A-8933-263129D2AF90}" type="datetimeFigureOut">
               <a:rPr lang="en-US" smtClean="0"/>
-              <a:t>14/9/2014</a:t>
+              <a:t>21/9/2014</a:t>
             </a:fld>
             <a:endParaRPr lang="en-US" dirty="0"/>
           </a:p>
@@ -867,7 +1337,7 @@
           <a:p>
             <a:fld id="{C764DE79-268F-4C1A-8933-263129D2AF90}" type="datetimeFigureOut">
               <a:rPr lang="en-US" smtClean="0"/>
-              <a:t>14/9/2014</a:t>
+              <a:t>21/9/2014</a:t>
             </a:fld>
             <a:endParaRPr lang="en-US" dirty="0"/>
           </a:p>
@@ -1037,7 +1507,7 @@
           <a:p>
             <a:fld id="{C764DE79-268F-4C1A-8933-263129D2AF90}" type="datetimeFigureOut">
               <a:rPr lang="en-US" smtClean="0"/>
-              <a:t>14/9/2014</a:t>
+              <a:t>21/9/2014</a:t>
             </a:fld>
             <a:endParaRPr lang="en-US" dirty="0"/>
           </a:p>
@@ -1316,7 +1786,7 @@
           <a:p>
             <a:fld id="{C764DE79-268F-4C1A-8933-263129D2AF90}" type="datetimeFigureOut">
               <a:rPr lang="en-US" smtClean="0"/>
-              <a:t>14/9/2014</a:t>
+              <a:t>21/9/2014</a:t>
             </a:fld>
             <a:endParaRPr lang="en-US" dirty="0"/>
           </a:p>
@@ -1552,7 +2022,7 @@
           <a:p>
             <a:fld id="{C764DE79-268F-4C1A-8933-263129D2AF90}" type="datetimeFigureOut">
               <a:rPr lang="en-US" smtClean="0"/>
-              <a:t>14/9/2014</a:t>
+              <a:t>21/9/2014</a:t>
             </a:fld>
             <a:endParaRPr lang="en-US" dirty="0"/>
           </a:p>
@@ -1919,7 +2389,7 @@
           <a:p>
             <a:fld id="{C764DE79-268F-4C1A-8933-263129D2AF90}" type="datetimeFigureOut">
               <a:rPr lang="en-US" smtClean="0"/>
-              <a:t>14/9/2014</a:t>
+              <a:t>21/9/2014</a:t>
             </a:fld>
             <a:endParaRPr lang="en-US" dirty="0"/>
           </a:p>
@@ -2037,7 +2507,7 @@
           <a:p>
             <a:fld id="{C764DE79-268F-4C1A-8933-263129D2AF90}" type="datetimeFigureOut">
               <a:rPr lang="en-US" smtClean="0"/>
-              <a:t>14/9/2014</a:t>
+              <a:t>21/9/2014</a:t>
             </a:fld>
             <a:endParaRPr lang="en-US" dirty="0"/>
           </a:p>
@@ -2132,7 +2602,7 @@
           <a:p>
             <a:fld id="{C764DE79-268F-4C1A-8933-263129D2AF90}" type="datetimeFigureOut">
               <a:rPr lang="en-US" smtClean="0"/>
-              <a:t>14/9/2014</a:t>
+              <a:t>21/9/2014</a:t>
             </a:fld>
             <a:endParaRPr lang="en-US" dirty="0"/>
           </a:p>
@@ -2409,7 +2879,7 @@
           <a:p>
             <a:fld id="{C764DE79-268F-4C1A-8933-263129D2AF90}" type="datetimeFigureOut">
               <a:rPr lang="en-US" smtClean="0"/>
-              <a:t>14/9/2014</a:t>
+              <a:t>21/9/2014</a:t>
             </a:fld>
             <a:endParaRPr lang="en-US" dirty="0"/>
           </a:p>
@@ -2577,7 +3047,7 @@
           </a:lstStyle>
           <a:p>
             <a:r>
-              <a:rPr lang="pt-BR" smtClean="0"/>
+              <a:rPr lang="pt-BR" dirty="0" smtClean="0"/>
               <a:t>Clique no ícone para adicionar uma imagem</a:t>
             </a:r>
             <a:endParaRPr lang="en-US" dirty="0"/>
@@ -2666,7 +3136,7 @@
           <a:p>
             <a:fld id="{C764DE79-268F-4C1A-8933-263129D2AF90}" type="datetimeFigureOut">
               <a:rPr lang="en-US" smtClean="0"/>
-              <a:t>14/9/2014</a:t>
+              <a:t>21/9/2014</a:t>
             </a:fld>
             <a:endParaRPr lang="en-US" dirty="0"/>
           </a:p>
@@ -2882,7 +3352,7 @@
           <a:p>
             <a:fld id="{C764DE79-268F-4C1A-8933-263129D2AF90}" type="datetimeFigureOut">
               <a:rPr lang="en-US" smtClean="0"/>
-              <a:t>14/9/2014</a:t>
+              <a:t>21/9/2014</a:t>
             </a:fld>
             <a:endParaRPr lang="en-US" dirty="0"/>
           </a:p>
@@ -3685,7 +4155,7 @@
             <a:lstStyle/>
             <a:p>
               <a:pPr algn="ctr"/>
-              <a:endParaRPr lang="pt-BR"/>
+              <a:endParaRPr lang="pt-BR" dirty="0"/>
             </a:p>
           </p:txBody>
         </p:sp>
@@ -3751,17 +4221,8 @@
                 <a:rPr lang="pt-BR" dirty="0" smtClean="0">
                   <a:latin typeface="Lucida Console" panose="020B0609040504020204" pitchFamily="49" charset="0"/>
                 </a:rPr>
-                <a:t>X: </a:t>
+                <a:t>X: float</a:t>
               </a:r>
-              <a:r>
-                <a:rPr lang="pt-BR" dirty="0" err="1" smtClean="0">
-                  <a:latin typeface="Lucida Console" panose="020B0609040504020204" pitchFamily="49" charset="0"/>
-                </a:rPr>
-                <a:t>float</a:t>
-              </a:r>
-              <a:endParaRPr lang="pt-BR" dirty="0" smtClean="0">
-                <a:latin typeface="Lucida Console" panose="020B0609040504020204" pitchFamily="49" charset="0"/>
-              </a:endParaRPr>
             </a:p>
             <a:p>
               <a:pPr algn="ctr"/>
@@ -3769,17 +4230,8 @@
                 <a:rPr lang="pt-BR" dirty="0" smtClean="0">
                   <a:latin typeface="Lucida Console" panose="020B0609040504020204" pitchFamily="49" charset="0"/>
                 </a:rPr>
-                <a:t>Y: </a:t>
+                <a:t>Y: float</a:t>
               </a:r>
-              <a:r>
-                <a:rPr lang="pt-BR" dirty="0" err="1" smtClean="0">
-                  <a:latin typeface="Lucida Console" panose="020B0609040504020204" pitchFamily="49" charset="0"/>
-                </a:rPr>
-                <a:t>float</a:t>
-              </a:r>
-              <a:endParaRPr lang="pt-BR" dirty="0" smtClean="0">
-                <a:latin typeface="Lucida Console" panose="020B0609040504020204" pitchFamily="49" charset="0"/>
-              </a:endParaRPr>
             </a:p>
             <a:p>
               <a:pPr algn="ctr"/>
@@ -3787,17 +4239,8 @@
                 <a:rPr lang="pt-BR" dirty="0" smtClean="0">
                   <a:latin typeface="Lucida Console" panose="020B0609040504020204" pitchFamily="49" charset="0"/>
                 </a:rPr>
-                <a:t>Z: </a:t>
+                <a:t>Z: float</a:t>
               </a:r>
-              <a:r>
-                <a:rPr lang="pt-BR" dirty="0" err="1" smtClean="0">
-                  <a:latin typeface="Lucida Console" panose="020B0609040504020204" pitchFamily="49" charset="0"/>
-                </a:rPr>
-                <a:t>float</a:t>
-              </a:r>
-              <a:endParaRPr lang="pt-BR" dirty="0" smtClean="0">
-                <a:latin typeface="Lucida Console" panose="020B0609040504020204" pitchFamily="49" charset="0"/>
-              </a:endParaRPr>
             </a:p>
             <a:p>
               <a:pPr algn="ctr"/>
@@ -3891,7 +4334,7 @@
           <a:lstStyle/>
           <a:p>
             <a:pPr algn="ctr"/>
-            <a:endParaRPr lang="pt-BR"/>
+            <a:endParaRPr lang="pt-BR" dirty="0"/>
           </a:p>
         </p:txBody>
       </p:sp>
@@ -3974,7 +4417,7 @@
             <a:lstStyle/>
             <a:p>
               <a:pPr algn="ctr"/>
-              <a:endParaRPr lang="pt-BR" sz="1100"/>
+              <a:endParaRPr lang="pt-BR" sz="1100" dirty="0"/>
             </a:p>
           </p:txBody>
         </p:sp>
@@ -4040,17 +4483,8 @@
                 <a:rPr lang="pt-BR" sz="1100" dirty="0" smtClean="0">
                   <a:latin typeface="Lucida Console" panose="020B0609040504020204" pitchFamily="49" charset="0"/>
                 </a:rPr>
-                <a:t>X: </a:t>
+                <a:t>X: float</a:t>
               </a:r>
-              <a:r>
-                <a:rPr lang="pt-BR" sz="1100" dirty="0" err="1" smtClean="0">
-                  <a:latin typeface="Lucida Console" panose="020B0609040504020204" pitchFamily="49" charset="0"/>
-                </a:rPr>
-                <a:t>float</a:t>
-              </a:r>
-              <a:endParaRPr lang="pt-BR" sz="1100" dirty="0" smtClean="0">
-                <a:latin typeface="Lucida Console" panose="020B0609040504020204" pitchFamily="49" charset="0"/>
-              </a:endParaRPr>
             </a:p>
             <a:p>
               <a:pPr algn="ctr"/>
@@ -4058,17 +4492,8 @@
                 <a:rPr lang="pt-BR" sz="1100" dirty="0" smtClean="0">
                   <a:latin typeface="Lucida Console" panose="020B0609040504020204" pitchFamily="49" charset="0"/>
                 </a:rPr>
-                <a:t>Y: </a:t>
+                <a:t>Y: float</a:t>
               </a:r>
-              <a:r>
-                <a:rPr lang="pt-BR" sz="1100" dirty="0" err="1" smtClean="0">
-                  <a:latin typeface="Lucida Console" panose="020B0609040504020204" pitchFamily="49" charset="0"/>
-                </a:rPr>
-                <a:t>float</a:t>
-              </a:r>
-              <a:endParaRPr lang="pt-BR" sz="1100" dirty="0" smtClean="0">
-                <a:latin typeface="Lucida Console" panose="020B0609040504020204" pitchFamily="49" charset="0"/>
-              </a:endParaRPr>
             </a:p>
             <a:p>
               <a:pPr algn="ctr"/>
@@ -4076,17 +4501,8 @@
                 <a:rPr lang="pt-BR" sz="1100" dirty="0" smtClean="0">
                   <a:latin typeface="Lucida Console" panose="020B0609040504020204" pitchFamily="49" charset="0"/>
                 </a:rPr>
-                <a:t>Z: </a:t>
+                <a:t>Z: float</a:t>
               </a:r>
-              <a:r>
-                <a:rPr lang="pt-BR" sz="1100" dirty="0" err="1" smtClean="0">
-                  <a:latin typeface="Lucida Console" panose="020B0609040504020204" pitchFamily="49" charset="0"/>
-                </a:rPr>
-                <a:t>float</a:t>
-              </a:r>
-              <a:endParaRPr lang="pt-BR" sz="1100" dirty="0" smtClean="0">
-                <a:latin typeface="Lucida Console" panose="020B0609040504020204" pitchFamily="49" charset="0"/>
-              </a:endParaRPr>
             </a:p>
             <a:p>
               <a:pPr algn="ctr"/>
@@ -4159,7 +4575,7 @@
             <a:lstStyle/>
             <a:p>
               <a:pPr algn="ctr"/>
-              <a:endParaRPr lang="pt-BR" sz="1100"/>
+              <a:endParaRPr lang="pt-BR" sz="1100" dirty="0"/>
             </a:p>
           </p:txBody>
         </p:sp>
@@ -4225,17 +4641,8 @@
                 <a:rPr lang="pt-BR" sz="1100" dirty="0" smtClean="0">
                   <a:latin typeface="Lucida Console" panose="020B0609040504020204" pitchFamily="49" charset="0"/>
                 </a:rPr>
-                <a:t>X: </a:t>
+                <a:t>X: float</a:t>
               </a:r>
-              <a:r>
-                <a:rPr lang="pt-BR" sz="1100" dirty="0" err="1" smtClean="0">
-                  <a:latin typeface="Lucida Console" panose="020B0609040504020204" pitchFamily="49" charset="0"/>
-                </a:rPr>
-                <a:t>float</a:t>
-              </a:r>
-              <a:endParaRPr lang="pt-BR" sz="1100" dirty="0" smtClean="0">
-                <a:latin typeface="Lucida Console" panose="020B0609040504020204" pitchFamily="49" charset="0"/>
-              </a:endParaRPr>
             </a:p>
             <a:p>
               <a:pPr algn="ctr"/>
@@ -4243,17 +4650,8 @@
                 <a:rPr lang="pt-BR" sz="1100" dirty="0" smtClean="0">
                   <a:latin typeface="Lucida Console" panose="020B0609040504020204" pitchFamily="49" charset="0"/>
                 </a:rPr>
-                <a:t>Y: </a:t>
+                <a:t>Y: float</a:t>
               </a:r>
-              <a:r>
-                <a:rPr lang="pt-BR" sz="1100" dirty="0" err="1" smtClean="0">
-                  <a:latin typeface="Lucida Console" panose="020B0609040504020204" pitchFamily="49" charset="0"/>
-                </a:rPr>
-                <a:t>float</a:t>
-              </a:r>
-              <a:endParaRPr lang="pt-BR" sz="1100" dirty="0" smtClean="0">
-                <a:latin typeface="Lucida Console" panose="020B0609040504020204" pitchFamily="49" charset="0"/>
-              </a:endParaRPr>
             </a:p>
             <a:p>
               <a:pPr algn="ctr"/>
@@ -4261,17 +4659,8 @@
                 <a:rPr lang="pt-BR" sz="1100" dirty="0" smtClean="0">
                   <a:latin typeface="Lucida Console" panose="020B0609040504020204" pitchFamily="49" charset="0"/>
                 </a:rPr>
-                <a:t>Z: </a:t>
+                <a:t>Z: float</a:t>
               </a:r>
-              <a:r>
-                <a:rPr lang="pt-BR" sz="1100" dirty="0" err="1" smtClean="0">
-                  <a:latin typeface="Lucida Console" panose="020B0609040504020204" pitchFamily="49" charset="0"/>
-                </a:rPr>
-                <a:t>float</a:t>
-              </a:r>
-              <a:endParaRPr lang="pt-BR" sz="1100" dirty="0" smtClean="0">
-                <a:latin typeface="Lucida Console" panose="020B0609040504020204" pitchFamily="49" charset="0"/>
-              </a:endParaRPr>
             </a:p>
             <a:p>
               <a:pPr algn="ctr"/>
@@ -4344,7 +4733,7 @@
             <a:lstStyle/>
             <a:p>
               <a:pPr algn="ctr"/>
-              <a:endParaRPr lang="pt-BR" sz="1100"/>
+              <a:endParaRPr lang="pt-BR" sz="1100" dirty="0"/>
             </a:p>
           </p:txBody>
         </p:sp>
@@ -4410,17 +4799,8 @@
                 <a:rPr lang="pt-BR" sz="1100" dirty="0" smtClean="0">
                   <a:latin typeface="Lucida Console" panose="020B0609040504020204" pitchFamily="49" charset="0"/>
                 </a:rPr>
-                <a:t>X: </a:t>
+                <a:t>X: float</a:t>
               </a:r>
-              <a:r>
-                <a:rPr lang="pt-BR" sz="1100" dirty="0" err="1" smtClean="0">
-                  <a:latin typeface="Lucida Console" panose="020B0609040504020204" pitchFamily="49" charset="0"/>
-                </a:rPr>
-                <a:t>float</a:t>
-              </a:r>
-              <a:endParaRPr lang="pt-BR" sz="1100" dirty="0" smtClean="0">
-                <a:latin typeface="Lucida Console" panose="020B0609040504020204" pitchFamily="49" charset="0"/>
-              </a:endParaRPr>
             </a:p>
             <a:p>
               <a:pPr algn="ctr"/>
@@ -4428,17 +4808,8 @@
                 <a:rPr lang="pt-BR" sz="1100" dirty="0" smtClean="0">
                   <a:latin typeface="Lucida Console" panose="020B0609040504020204" pitchFamily="49" charset="0"/>
                 </a:rPr>
-                <a:t>Y: </a:t>
+                <a:t>Y: float</a:t>
               </a:r>
-              <a:r>
-                <a:rPr lang="pt-BR" sz="1100" dirty="0" err="1" smtClean="0">
-                  <a:latin typeface="Lucida Console" panose="020B0609040504020204" pitchFamily="49" charset="0"/>
-                </a:rPr>
-                <a:t>float</a:t>
-              </a:r>
-              <a:endParaRPr lang="pt-BR" sz="1100" dirty="0" smtClean="0">
-                <a:latin typeface="Lucida Console" panose="020B0609040504020204" pitchFamily="49" charset="0"/>
-              </a:endParaRPr>
             </a:p>
             <a:p>
               <a:pPr algn="ctr"/>
@@ -4446,17 +4817,8 @@
                 <a:rPr lang="pt-BR" sz="1100" dirty="0" smtClean="0">
                   <a:latin typeface="Lucida Console" panose="020B0609040504020204" pitchFamily="49" charset="0"/>
                 </a:rPr>
-                <a:t>Z: </a:t>
+                <a:t>Z: float</a:t>
               </a:r>
-              <a:r>
-                <a:rPr lang="pt-BR" sz="1100" dirty="0" err="1" smtClean="0">
-                  <a:latin typeface="Lucida Console" panose="020B0609040504020204" pitchFamily="49" charset="0"/>
-                </a:rPr>
-                <a:t>float</a:t>
-              </a:r>
-              <a:endParaRPr lang="pt-BR" sz="1100" dirty="0" smtClean="0">
-                <a:latin typeface="Lucida Console" panose="020B0609040504020204" pitchFamily="49" charset="0"/>
-              </a:endParaRPr>
             </a:p>
             <a:p>
               <a:pPr algn="ctr"/>
@@ -4518,7 +4880,7 @@
           <a:lstStyle/>
           <a:p>
             <a:pPr algn="ctr"/>
-            <a:endParaRPr lang="pt-BR"/>
+            <a:endParaRPr lang="pt-BR" dirty="0"/>
           </a:p>
         </p:txBody>
       </p:sp>
@@ -4567,7 +4929,7 @@
           <a:lstStyle/>
           <a:p>
             <a:pPr algn="ctr"/>
-            <a:endParaRPr lang="pt-BR"/>
+            <a:endParaRPr lang="pt-BR" dirty="0"/>
           </a:p>
         </p:txBody>
       </p:sp>
@@ -4616,7 +4978,7 @@
           <a:lstStyle/>
           <a:p>
             <a:pPr algn="ctr"/>
-            <a:endParaRPr lang="pt-BR"/>
+            <a:endParaRPr lang="pt-BR" dirty="0"/>
           </a:p>
         </p:txBody>
       </p:sp>
@@ -4903,7 +5265,7 @@
           <a:lstStyle/>
           <a:p>
             <a:pPr algn="ctr"/>
-            <a:endParaRPr lang="pt-BR"/>
+            <a:endParaRPr lang="pt-BR" dirty="0"/>
           </a:p>
         </p:txBody>
       </p:sp>
@@ -4977,7 +5339,7 @@
               <a:lstStyle/>
               <a:p>
                 <a:pPr algn="ctr"/>
-                <a:endParaRPr lang="pt-BR" sz="700"/>
+                <a:endParaRPr lang="pt-BR" sz="700" dirty="0"/>
               </a:p>
             </p:txBody>
           </p:sp>
@@ -5043,17 +5405,8 @@
                   <a:rPr lang="pt-BR" sz="700" dirty="0" smtClean="0">
                     <a:latin typeface="Lucida Console" panose="020B0609040504020204" pitchFamily="49" charset="0"/>
                   </a:rPr>
-                  <a:t>X: </a:t>
+                  <a:t>X: float</a:t>
                 </a:r>
-                <a:r>
-                  <a:rPr lang="pt-BR" sz="700" dirty="0" err="1" smtClean="0">
-                    <a:latin typeface="Lucida Console" panose="020B0609040504020204" pitchFamily="49" charset="0"/>
-                  </a:rPr>
-                  <a:t>float</a:t>
-                </a:r>
-                <a:endParaRPr lang="pt-BR" sz="700" dirty="0" smtClean="0">
-                  <a:latin typeface="Lucida Console" panose="020B0609040504020204" pitchFamily="49" charset="0"/>
-                </a:endParaRPr>
               </a:p>
               <a:p>
                 <a:pPr algn="ctr"/>
@@ -5061,17 +5414,8 @@
                   <a:rPr lang="pt-BR" sz="700" dirty="0" smtClean="0">
                     <a:latin typeface="Lucida Console" panose="020B0609040504020204" pitchFamily="49" charset="0"/>
                   </a:rPr>
-                  <a:t>Y: </a:t>
+                  <a:t>Y: float</a:t>
                 </a:r>
-                <a:r>
-                  <a:rPr lang="pt-BR" sz="700" dirty="0" err="1" smtClean="0">
-                    <a:latin typeface="Lucida Console" panose="020B0609040504020204" pitchFamily="49" charset="0"/>
-                  </a:rPr>
-                  <a:t>float</a:t>
-                </a:r>
-                <a:endParaRPr lang="pt-BR" sz="700" dirty="0" smtClean="0">
-                  <a:latin typeface="Lucida Console" panose="020B0609040504020204" pitchFamily="49" charset="0"/>
-                </a:endParaRPr>
               </a:p>
               <a:p>
                 <a:pPr algn="ctr"/>
@@ -5079,17 +5423,8 @@
                   <a:rPr lang="pt-BR" sz="700" dirty="0" smtClean="0">
                     <a:latin typeface="Lucida Console" panose="020B0609040504020204" pitchFamily="49" charset="0"/>
                   </a:rPr>
-                  <a:t>Z: </a:t>
+                  <a:t>Z: float</a:t>
                 </a:r>
-                <a:r>
-                  <a:rPr lang="pt-BR" sz="700" dirty="0" err="1" smtClean="0">
-                    <a:latin typeface="Lucida Console" panose="020B0609040504020204" pitchFamily="49" charset="0"/>
-                  </a:rPr>
-                  <a:t>float</a:t>
-                </a:r>
-                <a:endParaRPr lang="pt-BR" sz="700" dirty="0" smtClean="0">
-                  <a:latin typeface="Lucida Console" panose="020B0609040504020204" pitchFamily="49" charset="0"/>
-                </a:endParaRPr>
               </a:p>
               <a:p>
                 <a:pPr algn="ctr"/>
@@ -5151,7 +5486,7 @@
             <a:lstStyle/>
             <a:p>
               <a:pPr algn="ctr"/>
-              <a:endParaRPr lang="pt-BR" sz="1100"/>
+              <a:endParaRPr lang="pt-BR" sz="1100" dirty="0"/>
             </a:p>
           </p:txBody>
         </p:sp>
@@ -5291,7 +5626,7 @@
               <a:lstStyle/>
               <a:p>
                 <a:pPr algn="ctr"/>
-                <a:endParaRPr lang="pt-BR" sz="700"/>
+                <a:endParaRPr lang="pt-BR" sz="700" dirty="0"/>
               </a:p>
             </p:txBody>
           </p:sp>
@@ -5357,17 +5692,8 @@
                   <a:rPr lang="pt-BR" sz="700" dirty="0" smtClean="0">
                     <a:latin typeface="Lucida Console" panose="020B0609040504020204" pitchFamily="49" charset="0"/>
                   </a:rPr>
-                  <a:t>X: </a:t>
+                  <a:t>X: float</a:t>
                 </a:r>
-                <a:r>
-                  <a:rPr lang="pt-BR" sz="700" dirty="0" err="1" smtClean="0">
-                    <a:latin typeface="Lucida Console" panose="020B0609040504020204" pitchFamily="49" charset="0"/>
-                  </a:rPr>
-                  <a:t>float</a:t>
-                </a:r>
-                <a:endParaRPr lang="pt-BR" sz="700" dirty="0" smtClean="0">
-                  <a:latin typeface="Lucida Console" panose="020B0609040504020204" pitchFamily="49" charset="0"/>
-                </a:endParaRPr>
               </a:p>
               <a:p>
                 <a:pPr algn="ctr"/>
@@ -5375,17 +5701,8 @@
                   <a:rPr lang="pt-BR" sz="700" dirty="0" smtClean="0">
                     <a:latin typeface="Lucida Console" panose="020B0609040504020204" pitchFamily="49" charset="0"/>
                   </a:rPr>
-                  <a:t>Y: </a:t>
+                  <a:t>Y: float</a:t>
                 </a:r>
-                <a:r>
-                  <a:rPr lang="pt-BR" sz="700" dirty="0" err="1" smtClean="0">
-                    <a:latin typeface="Lucida Console" panose="020B0609040504020204" pitchFamily="49" charset="0"/>
-                  </a:rPr>
-                  <a:t>float</a:t>
-                </a:r>
-                <a:endParaRPr lang="pt-BR" sz="700" dirty="0" smtClean="0">
-                  <a:latin typeface="Lucida Console" panose="020B0609040504020204" pitchFamily="49" charset="0"/>
-                </a:endParaRPr>
               </a:p>
               <a:p>
                 <a:pPr algn="ctr"/>
@@ -5393,17 +5710,8 @@
                   <a:rPr lang="pt-BR" sz="700" dirty="0" smtClean="0">
                     <a:latin typeface="Lucida Console" panose="020B0609040504020204" pitchFamily="49" charset="0"/>
                   </a:rPr>
-                  <a:t>Z: </a:t>
+                  <a:t>Z: float</a:t>
                 </a:r>
-                <a:r>
-                  <a:rPr lang="pt-BR" sz="700" dirty="0" err="1" smtClean="0">
-                    <a:latin typeface="Lucida Console" panose="020B0609040504020204" pitchFamily="49" charset="0"/>
-                  </a:rPr>
-                  <a:t>float</a:t>
-                </a:r>
-                <a:endParaRPr lang="pt-BR" sz="700" dirty="0" smtClean="0">
-                  <a:latin typeface="Lucida Console" panose="020B0609040504020204" pitchFamily="49" charset="0"/>
-                </a:endParaRPr>
               </a:p>
               <a:p>
                 <a:pPr algn="ctr"/>
@@ -5465,7 +5773,7 @@
             <a:lstStyle/>
             <a:p>
               <a:pPr algn="ctr"/>
-              <a:endParaRPr lang="pt-BR" sz="1100"/>
+              <a:endParaRPr lang="pt-BR" sz="1100" dirty="0"/>
             </a:p>
           </p:txBody>
         </p:sp>
@@ -5574,7 +5882,7 @@
               <a:lstStyle/>
               <a:p>
                 <a:pPr algn="ctr"/>
-                <a:endParaRPr lang="pt-BR" sz="700"/>
+                <a:endParaRPr lang="pt-BR" sz="700" dirty="0"/>
               </a:p>
             </p:txBody>
           </p:sp>
@@ -5640,17 +5948,8 @@
                   <a:rPr lang="pt-BR" sz="700" dirty="0" smtClean="0">
                     <a:latin typeface="Lucida Console" panose="020B0609040504020204" pitchFamily="49" charset="0"/>
                   </a:rPr>
-                  <a:t>X: </a:t>
+                  <a:t>X: float</a:t>
                 </a:r>
-                <a:r>
-                  <a:rPr lang="pt-BR" sz="700" dirty="0" err="1" smtClean="0">
-                    <a:latin typeface="Lucida Console" panose="020B0609040504020204" pitchFamily="49" charset="0"/>
-                  </a:rPr>
-                  <a:t>float</a:t>
-                </a:r>
-                <a:endParaRPr lang="pt-BR" sz="700" dirty="0" smtClean="0">
-                  <a:latin typeface="Lucida Console" panose="020B0609040504020204" pitchFamily="49" charset="0"/>
-                </a:endParaRPr>
               </a:p>
               <a:p>
                 <a:pPr algn="ctr"/>
@@ -5658,17 +5957,8 @@
                   <a:rPr lang="pt-BR" sz="700" dirty="0" smtClean="0">
                     <a:latin typeface="Lucida Console" panose="020B0609040504020204" pitchFamily="49" charset="0"/>
                   </a:rPr>
-                  <a:t>Y: </a:t>
+                  <a:t>Y: float</a:t>
                 </a:r>
-                <a:r>
-                  <a:rPr lang="pt-BR" sz="700" dirty="0" err="1" smtClean="0">
-                    <a:latin typeface="Lucida Console" panose="020B0609040504020204" pitchFamily="49" charset="0"/>
-                  </a:rPr>
-                  <a:t>float</a:t>
-                </a:r>
-                <a:endParaRPr lang="pt-BR" sz="700" dirty="0" smtClean="0">
-                  <a:latin typeface="Lucida Console" panose="020B0609040504020204" pitchFamily="49" charset="0"/>
-                </a:endParaRPr>
               </a:p>
               <a:p>
                 <a:pPr algn="ctr"/>
@@ -5676,17 +5966,8 @@
                   <a:rPr lang="pt-BR" sz="700" dirty="0" smtClean="0">
                     <a:latin typeface="Lucida Console" panose="020B0609040504020204" pitchFamily="49" charset="0"/>
                   </a:rPr>
-                  <a:t>Z: </a:t>
+                  <a:t>Z: float</a:t>
                 </a:r>
-                <a:r>
-                  <a:rPr lang="pt-BR" sz="700" dirty="0" err="1" smtClean="0">
-                    <a:latin typeface="Lucida Console" panose="020B0609040504020204" pitchFamily="49" charset="0"/>
-                  </a:rPr>
-                  <a:t>float</a:t>
-                </a:r>
-                <a:endParaRPr lang="pt-BR" sz="700" dirty="0" smtClean="0">
-                  <a:latin typeface="Lucida Console" panose="020B0609040504020204" pitchFamily="49" charset="0"/>
-                </a:endParaRPr>
               </a:p>
               <a:p>
                 <a:pPr algn="ctr"/>
@@ -5748,7 +6029,7 @@
             <a:lstStyle/>
             <a:p>
               <a:pPr algn="ctr"/>
-              <a:endParaRPr lang="pt-BR" sz="1100"/>
+              <a:endParaRPr lang="pt-BR" sz="1100" dirty="0"/>
             </a:p>
           </p:txBody>
         </p:sp>
@@ -5857,7 +6138,7 @@
               <a:lstStyle/>
               <a:p>
                 <a:pPr algn="ctr"/>
-                <a:endParaRPr lang="pt-BR" sz="700"/>
+                <a:endParaRPr lang="pt-BR" sz="700" dirty="0"/>
               </a:p>
             </p:txBody>
           </p:sp>
@@ -5923,17 +6204,8 @@
                   <a:rPr lang="pt-BR" sz="700" dirty="0" smtClean="0">
                     <a:latin typeface="Lucida Console" panose="020B0609040504020204" pitchFamily="49" charset="0"/>
                   </a:rPr>
-                  <a:t>X: </a:t>
+                  <a:t>X: float</a:t>
                 </a:r>
-                <a:r>
-                  <a:rPr lang="pt-BR" sz="700" dirty="0" err="1" smtClean="0">
-                    <a:latin typeface="Lucida Console" panose="020B0609040504020204" pitchFamily="49" charset="0"/>
-                  </a:rPr>
-                  <a:t>float</a:t>
-                </a:r>
-                <a:endParaRPr lang="pt-BR" sz="700" dirty="0" smtClean="0">
-                  <a:latin typeface="Lucida Console" panose="020B0609040504020204" pitchFamily="49" charset="0"/>
-                </a:endParaRPr>
               </a:p>
               <a:p>
                 <a:pPr algn="ctr"/>
@@ -5941,17 +6213,8 @@
                   <a:rPr lang="pt-BR" sz="700" dirty="0" smtClean="0">
                     <a:latin typeface="Lucida Console" panose="020B0609040504020204" pitchFamily="49" charset="0"/>
                   </a:rPr>
-                  <a:t>Y: </a:t>
+                  <a:t>Y: float</a:t>
                 </a:r>
-                <a:r>
-                  <a:rPr lang="pt-BR" sz="700" dirty="0" err="1" smtClean="0">
-                    <a:latin typeface="Lucida Console" panose="020B0609040504020204" pitchFamily="49" charset="0"/>
-                  </a:rPr>
-                  <a:t>float</a:t>
-                </a:r>
-                <a:endParaRPr lang="pt-BR" sz="700" dirty="0" smtClean="0">
-                  <a:latin typeface="Lucida Console" panose="020B0609040504020204" pitchFamily="49" charset="0"/>
-                </a:endParaRPr>
               </a:p>
               <a:p>
                 <a:pPr algn="ctr"/>
@@ -5959,17 +6222,8 @@
                   <a:rPr lang="pt-BR" sz="700" dirty="0" smtClean="0">
                     <a:latin typeface="Lucida Console" panose="020B0609040504020204" pitchFamily="49" charset="0"/>
                   </a:rPr>
-                  <a:t>Z: </a:t>
+                  <a:t>Z: float</a:t>
                 </a:r>
-                <a:r>
-                  <a:rPr lang="pt-BR" sz="700" dirty="0" err="1" smtClean="0">
-                    <a:latin typeface="Lucida Console" panose="020B0609040504020204" pitchFamily="49" charset="0"/>
-                  </a:rPr>
-                  <a:t>float</a:t>
-                </a:r>
-                <a:endParaRPr lang="pt-BR" sz="700" dirty="0" smtClean="0">
-                  <a:latin typeface="Lucida Console" panose="020B0609040504020204" pitchFamily="49" charset="0"/>
-                </a:endParaRPr>
               </a:p>
               <a:p>
                 <a:pPr algn="ctr"/>
@@ -6031,7 +6285,7 @@
             <a:lstStyle/>
             <a:p>
               <a:pPr algn="ctr"/>
-              <a:endParaRPr lang="pt-BR" sz="1100"/>
+              <a:endParaRPr lang="pt-BR" sz="1100" dirty="0"/>
             </a:p>
           </p:txBody>
         </p:sp>
@@ -6230,15 +6484,7 @@
           <a:p>
             <a:r>
               <a:rPr lang="pt-BR" dirty="0" smtClean="0"/>
-              <a:t>No .</a:t>
-            </a:r>
-            <a:r>
-              <a:rPr lang="pt-BR" dirty="0" err="1" smtClean="0"/>
-              <a:t>obj</a:t>
-            </a:r>
-            <a:r>
-              <a:rPr lang="pt-BR" dirty="0" smtClean="0"/>
-              <a:t>, as linhas com ‘v’ e ‘f’ seguem uma </a:t>
+              <a:t>No .obj, as linhas com ‘v’ e ‘f’ seguem uma </a:t>
             </a:r>
             <a:r>
               <a:rPr lang="pt-BR" i="1" dirty="0" smtClean="0"/>
@@ -6545,11 +6791,7 @@
           <a:p>
             <a:r>
               <a:rPr lang="pt-BR" dirty="0" smtClean="0"/>
-              <a:t>Arquivo .</a:t>
-            </a:r>
-            <a:r>
-              <a:rPr lang="pt-BR" dirty="0" err="1" smtClean="0"/>
-              <a:t>obj</a:t>
+              <a:t>Arquivo .obj</a:t>
             </a:r>
             <a:endParaRPr lang="pt-BR" dirty="0"/>
           </a:p>
@@ -6780,7 +7022,7 @@
               <a:buNone/>
             </a:pPr>
             <a:r>
-              <a:rPr lang="pt-BR" sz="1600" dirty="0" err="1" smtClean="0">
+              <a:rPr lang="pt-BR" sz="1600" dirty="0" smtClean="0">
                 <a:solidFill>
                   <a:schemeClr val="accent6">
                     <a:lumMod val="60000"/>
@@ -6847,7 +7089,7 @@
               <a:buNone/>
             </a:pPr>
             <a:r>
-              <a:rPr lang="pt-BR" sz="1600" dirty="0" err="1" smtClean="0">
+              <a:rPr lang="pt-BR" sz="1600" dirty="0" smtClean="0">
                 <a:solidFill>
                   <a:schemeClr val="accent6">
                     <a:lumMod val="60000"/>
@@ -7023,7 +7265,7 @@
               <a:buNone/>
             </a:pPr>
             <a:r>
-              <a:rPr lang="pt-BR" sz="1600" dirty="0" err="1" smtClean="0">
+              <a:rPr lang="pt-BR" sz="1600" dirty="0" smtClean="0">
                 <a:solidFill>
                   <a:schemeClr val="accent6">
                     <a:lumMod val="60000"/>
@@ -7090,7 +7332,7 @@
               <a:buNone/>
             </a:pPr>
             <a:r>
-              <a:rPr lang="pt-BR" sz="1600" dirty="0" err="1" smtClean="0">
+              <a:rPr lang="pt-BR" sz="1600" dirty="0" smtClean="0">
                 <a:solidFill>
                   <a:schemeClr val="accent6">
                     <a:lumMod val="60000"/>
@@ -7266,7 +7508,7 @@
               <a:buNone/>
             </a:pPr>
             <a:r>
-              <a:rPr lang="pt-BR" sz="1600" dirty="0" err="1" smtClean="0">
+              <a:rPr lang="pt-BR" sz="1600" dirty="0" smtClean="0">
                 <a:solidFill>
                   <a:schemeClr val="accent6">
                     <a:lumMod val="60000"/>
@@ -7677,15 +7919,7 @@
           <a:p>
             <a:r>
               <a:rPr lang="pt-BR" dirty="0" smtClean="0"/>
-              <a:t>Quando recebemos um modelo .</a:t>
-            </a:r>
-            <a:r>
-              <a:rPr lang="pt-BR" dirty="0" err="1" smtClean="0"/>
-              <a:t>obj</a:t>
-            </a:r>
-            <a:r>
-              <a:rPr lang="pt-BR" dirty="0" smtClean="0"/>
-              <a:t> procuramos a maior de suas coordenadas para normalizar o modelo.</a:t>
+              <a:t>Quando recebemos um modelo .obj procuramos a maior de suas coordenadas para normalizar o modelo.</a:t>
             </a:r>
           </a:p>
           <a:p>
@@ -7775,7 +8009,7 @@
           <a:bodyPr/>
           <a:lstStyle/>
           <a:p>
-            <a:endParaRPr lang="pt-BR"/>
+            <a:endParaRPr lang="pt-BR" dirty="0"/>
           </a:p>
         </p:txBody>
       </p:sp>
@@ -7869,11 +8103,7 @@
             <a:pPr lvl="1"/>
             <a:r>
               <a:rPr lang="pt-BR" dirty="0" smtClean="0"/>
-              <a:t>Processamentos </a:t>
-            </a:r>
-            <a:r>
-              <a:rPr lang="pt-BR" dirty="0" smtClean="0"/>
-              <a:t>antes da </a:t>
+              <a:t>Processamentos antes da </a:t>
             </a:r>
             <a:r>
               <a:rPr lang="pt-BR" dirty="0" err="1" smtClean="0"/>
@@ -7890,13 +8120,8 @@
           <a:p>
             <a:r>
               <a:rPr lang="pt-BR" dirty="0" smtClean="0"/>
-              <a:t>Funções do </a:t>
-            </a:r>
-            <a:r>
-              <a:rPr lang="pt-BR" dirty="0" err="1" smtClean="0"/>
-              <a:t>OpenGL</a:t>
-            </a:r>
-            <a:endParaRPr lang="pt-BR" dirty="0" smtClean="0"/>
+              <a:t>Funções do OpenGL</a:t>
+            </a:r>
           </a:p>
         </p:txBody>
       </p:sp>
@@ -7989,7 +8214,7 @@
           <a:lstStyle/>
           <a:p>
             <a:pPr algn="ctr"/>
-            <a:endParaRPr lang="pt-BR"/>
+            <a:endParaRPr lang="pt-BR" dirty="0"/>
           </a:p>
         </p:txBody>
       </p:sp>
@@ -8104,25 +8329,200 @@
           </a:p>
         </p:txBody>
       </p:sp>
-      <p:sp>
-        <p:nvSpPr>
-          <p:cNvPr id="3" name="Espaço Reservado para Conteúdo 2"/>
-          <p:cNvSpPr>
-            <a:spLocks noGrp="1"/>
-          </p:cNvSpPr>
-          <p:nvPr>
-            <p:ph idx="1"/>
-          </p:nvPr>
-        </p:nvSpPr>
-        <p:spPr/>
-        <p:txBody>
-          <a:bodyPr/>
-          <a:lstStyle/>
-          <a:p>
-            <a:endParaRPr lang="pt-BR" dirty="0"/>
-          </a:p>
-        </p:txBody>
-      </p:sp>
+      <mc:AlternateContent xmlns:mc="http://schemas.openxmlformats.org/markup-compatibility/2006">
+        <mc:Choice xmlns:a14="http://schemas.microsoft.com/office/drawing/2010/main" Requires="a14">
+          <p:sp>
+            <p:nvSpPr>
+              <p:cNvPr id="7" name="Espaço Reservado para Conteúdo 6"/>
+              <p:cNvSpPr>
+                <a:spLocks noGrp="1"/>
+              </p:cNvSpPr>
+              <p:nvPr>
+                <p:ph idx="1"/>
+              </p:nvPr>
+            </p:nvSpPr>
+            <p:spPr/>
+            <p:txBody>
+              <a:bodyPr/>
+              <a:lstStyle/>
+              <a:p>
+                <a:r>
+                  <a:rPr lang="pt-BR" sz="2000" dirty="0">
+                    <a:latin typeface="Consolas" panose="020B0609020204030204" pitchFamily="49" charset="0"/>
+                    <a:cs typeface="Consolas" panose="020B0609020204030204" pitchFamily="49" charset="0"/>
+                  </a:rPr>
+                  <a:t>TransformMatrix </a:t>
+                </a:r>
+                <a:r>
+                  <a:rPr lang="pt-BR" sz="2000" dirty="0" smtClean="0">
+                    <a:latin typeface="Consolas" panose="020B0609020204030204" pitchFamily="49" charset="0"/>
+                    <a:cs typeface="Consolas" panose="020B0609020204030204" pitchFamily="49" charset="0"/>
+                  </a:rPr>
+                  <a:t>operator*(const TransformMatrix&amp; direita) const</a:t>
+                </a:r>
+              </a:p>
+              <a:p>
+                <a:pPr lvl="1"/>
+                <a:r>
+                  <a:rPr lang="pt-BR" dirty="0" smtClean="0"/>
+                  <a:t>Multiplicação de Matriz em </a:t>
+                </a:r>
+                <a14:m>
+                  <m:oMath xmlns:m="http://schemas.openxmlformats.org/officeDocument/2006/math">
+                    <m:r>
+                      <a:rPr lang="pt-BR" b="0" i="1" smtClean="0">
+                        <a:latin typeface="Cambria Math" panose="02040503050406030204" pitchFamily="18" charset="0"/>
+                      </a:rPr>
+                      <m:t>𝑂</m:t>
+                    </m:r>
+                    <m:r>
+                      <a:rPr lang="pt-BR" b="0" i="1" smtClean="0">
+                        <a:latin typeface="Cambria Math" panose="02040503050406030204" pitchFamily="18" charset="0"/>
+                      </a:rPr>
+                      <m:t>(</m:t>
+                    </m:r>
+                    <m:sSup>
+                      <m:sSupPr>
+                        <m:ctrlPr>
+                          <a:rPr lang="pt-BR" b="0" i="1" smtClean="0">
+                            <a:latin typeface="Cambria Math" panose="02040503050406030204" pitchFamily="18" charset="0"/>
+                          </a:rPr>
+                        </m:ctrlPr>
+                      </m:sSupPr>
+                      <m:e>
+                        <m:r>
+                          <a:rPr lang="pt-BR" b="0" i="1" smtClean="0">
+                            <a:latin typeface="Cambria Math" panose="02040503050406030204" pitchFamily="18" charset="0"/>
+                          </a:rPr>
+                          <m:t>𝑛</m:t>
+                        </m:r>
+                      </m:e>
+                      <m:sup>
+                        <m:r>
+                          <a:rPr lang="pt-BR" b="0" i="1" smtClean="0">
+                            <a:latin typeface="Cambria Math" panose="02040503050406030204" pitchFamily="18" charset="0"/>
+                          </a:rPr>
+                          <m:t>3</m:t>
+                        </m:r>
+                      </m:sup>
+                    </m:sSup>
+                    <m:r>
+                      <a:rPr lang="pt-BR" b="0" i="1" smtClean="0">
+                        <a:latin typeface="Cambria Math" panose="02040503050406030204" pitchFamily="18" charset="0"/>
+                      </a:rPr>
+                      <m:t>)</m:t>
+                    </m:r>
+                  </m:oMath>
+                </a14:m>
+                <a:r>
+                  <a:rPr lang="pt-BR" dirty="0" smtClean="0"/>
+                  <a:t> sem modificar a matriz</a:t>
+                </a:r>
+              </a:p>
+              <a:p>
+                <a:r>
+                  <a:rPr lang="pt-BR" sz="2000" dirty="0" smtClean="0">
+                    <a:latin typeface="Consolas" panose="020B0609020204030204" pitchFamily="49" charset="0"/>
+                    <a:cs typeface="Consolas" panose="020B0609020204030204" pitchFamily="49" charset="0"/>
+                  </a:rPr>
+                  <a:t>QVector4D operator</a:t>
+                </a:r>
+                <a:r>
+                  <a:rPr lang="pt-BR" sz="2000" dirty="0">
+                    <a:latin typeface="Consolas" panose="020B0609020204030204" pitchFamily="49" charset="0"/>
+                    <a:cs typeface="Consolas" panose="020B0609020204030204" pitchFamily="49" charset="0"/>
+                  </a:rPr>
+                  <a:t>*(const </a:t>
+                </a:r>
+                <a:r>
+                  <a:rPr lang="pt-BR" sz="2000" dirty="0" smtClean="0">
+                    <a:latin typeface="Consolas" panose="020B0609020204030204" pitchFamily="49" charset="0"/>
+                    <a:cs typeface="Consolas" panose="020B0609020204030204" pitchFamily="49" charset="0"/>
+                  </a:rPr>
+                  <a:t>TransformMatrix&amp; esquerda,</a:t>
+                </a:r>
+                <a:r>
+                  <a:rPr lang="pt-BR" sz="2000" dirty="0">
+                    <a:latin typeface="Consolas" panose="020B0609020204030204" pitchFamily="49" charset="0"/>
+                    <a:cs typeface="Consolas" panose="020B0609020204030204" pitchFamily="49" charset="0"/>
+                  </a:rPr>
+                  <a:t> const </a:t>
+                </a:r>
+                <a:r>
+                  <a:rPr lang="pt-BR" sz="2000" dirty="0" smtClean="0">
+                    <a:latin typeface="Consolas" panose="020B0609020204030204" pitchFamily="49" charset="0"/>
+                    <a:cs typeface="Consolas" panose="020B0609020204030204" pitchFamily="49" charset="0"/>
+                  </a:rPr>
+                  <a:t>QVector4D&amp; direita)</a:t>
+                </a:r>
+              </a:p>
+              <a:p>
+                <a:pPr lvl="1"/>
+                <a:r>
+                  <a:rPr lang="pt-BR" dirty="0" smtClean="0"/>
+                  <a:t>Multiplicação Matrix e Vetor,  praticamente a mesma função de cima</a:t>
+                </a:r>
+              </a:p>
+              <a:p>
+                <a:r>
+                  <a:rPr lang="pt-BR" sz="2000" dirty="0" smtClean="0">
+                    <a:solidFill>
+                      <a:prstClr val="white"/>
+                    </a:solidFill>
+                    <a:latin typeface="Consolas" panose="020B0609020204030204" pitchFamily="49" charset="0"/>
+                    <a:cs typeface="Consolas" panose="020B0609020204030204" pitchFamily="49" charset="0"/>
+                  </a:rPr>
+                  <a:t>double operator()(unsigned i, unsigned j)</a:t>
+                </a:r>
+              </a:p>
+              <a:p>
+                <a:pPr lvl="1"/>
+                <a:r>
+                  <a:rPr lang="pt-BR" dirty="0" smtClean="0"/>
+                  <a:t>Operadores de acesso da matriz. Vem em pares: de acesso e de modificação</a:t>
+                </a:r>
+                <a:endParaRPr lang="pt-BR" dirty="0"/>
+              </a:p>
+              <a:p>
+                <a:endParaRPr lang="pt-BR" dirty="0"/>
+              </a:p>
+            </p:txBody>
+          </p:sp>
+        </mc:Choice>
+        <mc:Fallback>
+          <p:sp>
+            <p:nvSpPr>
+              <p:cNvPr id="7" name="Espaço Reservado para Conteúdo 6"/>
+              <p:cNvSpPr>
+                <a:spLocks noGrp="1" noRot="1" noChangeAspect="1" noMove="1" noResize="1" noEditPoints="1" noAdjustHandles="1" noChangeArrowheads="1" noChangeShapeType="1" noTextEdit="1"/>
+              </p:cNvSpPr>
+              <p:nvPr>
+                <p:ph idx="1"/>
+              </p:nvPr>
+            </p:nvSpPr>
+            <p:spPr>
+              <a:blipFill rotWithShape="0">
+                <a:blip r:embed="rId2"/>
+                <a:stretch>
+                  <a:fillRect l="-696" t="-1401"/>
+                </a:stretch>
+              </a:blipFill>
+            </p:spPr>
+            <p:txBody>
+              <a:bodyPr/>
+              <a:lstStyle/>
+              <a:p>
+                <a:r>
+                  <a:rPr lang="pt-BR">
+                    <a:noFill/>
+                  </a:rPr>
+                  <a:t> </a:t>
+                </a:r>
+              </a:p>
+            </p:txBody>
+          </p:sp>
+        </mc:Fallback>
+      </mc:AlternateContent>
     </p:spTree>
     <p:extLst>
       <p:ext uri="{BB962C8B-B14F-4D97-AF65-F5344CB8AC3E}">
@@ -8133,6 +8533,1216 @@
   <p:clrMapOvr>
     <a:masterClrMapping/>
   </p:clrMapOvr>
+  <p:timing>
+    <p:tnLst>
+      <p:par>
+        <p:cTn id="1" dur="indefinite" restart="never" nodeType="tmRoot"/>
+      </p:par>
+    </p:tnLst>
+  </p:timing>
+</p:sld>
+</file>
+
+<file path=ppt/slides/slide22.xml><?xml version="1.0" encoding="utf-8"?>
+<p:sld xmlns:a="http://schemas.openxmlformats.org/drawingml/2006/main" xmlns:r="http://schemas.openxmlformats.org/officeDocument/2006/relationships" xmlns:p="http://schemas.openxmlformats.org/presentationml/2006/main">
+  <p:cSld>
+    <p:spTree>
+      <p:nvGrpSpPr>
+        <p:cNvPr id="1" name=""/>
+        <p:cNvGrpSpPr/>
+        <p:nvPr/>
+      </p:nvGrpSpPr>
+      <p:grpSpPr>
+        <a:xfrm>
+          <a:off x="0" y="0"/>
+          <a:ext cx="0" cy="0"/>
+          <a:chOff x="0" y="0"/>
+          <a:chExt cx="0" cy="0"/>
+        </a:xfrm>
+      </p:grpSpPr>
+      <p:sp>
+        <p:nvSpPr>
+          <p:cNvPr id="8" name="Retângulo 7"/>
+          <p:cNvSpPr/>
+          <p:nvPr/>
+        </p:nvSpPr>
+        <p:spPr>
+          <a:xfrm>
+            <a:off x="559023" y="1825624"/>
+            <a:ext cx="3886200" cy="4351338"/>
+          </a:xfrm>
+          <a:prstGeom prst="rect">
+            <a:avLst/>
+          </a:prstGeom>
+          <a:solidFill>
+            <a:srgbClr val="141414"/>
+          </a:solidFill>
+          <a:ln>
+            <a:noFill/>
+          </a:ln>
+        </p:spPr>
+        <p:style>
+          <a:lnRef idx="2">
+            <a:schemeClr val="accent1">
+              <a:shade val="50000"/>
+            </a:schemeClr>
+          </a:lnRef>
+          <a:fillRef idx="1">
+            <a:schemeClr val="accent1"/>
+          </a:fillRef>
+          <a:effectRef idx="0">
+            <a:schemeClr val="accent1"/>
+          </a:effectRef>
+          <a:fontRef idx="minor">
+            <a:schemeClr val="lt1"/>
+          </a:fontRef>
+        </p:style>
+        <p:txBody>
+          <a:bodyPr rtlCol="0" anchor="ctr"/>
+          <a:lstStyle/>
+          <a:p>
+            <a:pPr algn="ctr"/>
+            <a:endParaRPr lang="pt-BR" dirty="0"/>
+          </a:p>
+        </p:txBody>
+      </p:sp>
+      <p:sp>
+        <p:nvSpPr>
+          <p:cNvPr id="2" name="Título 1"/>
+          <p:cNvSpPr txBox="1">
+            <a:spLocks noGrp="1"/>
+          </p:cNvSpPr>
+          <p:nvPr>
+            <p:ph type="title"/>
+          </p:nvPr>
+        </p:nvSpPr>
+        <p:spPr/>
+        <p:txBody>
+          <a:bodyPr/>
+          <a:lstStyle/>
+          <a:p>
+            <a:pPr lvl="0"/>
+            <a:r>
+              <a:rPr lang="de-DE" dirty="0" smtClean="0"/>
+              <a:t>Funções de Transformação</a:t>
+            </a:r>
+            <a:endParaRPr lang="de-DE" dirty="0"/>
+          </a:p>
+        </p:txBody>
+      </p:sp>
+      <p:pic>
+        <p:nvPicPr>
+          <p:cNvPr id="7" name="Espaço Reservado para Conteúdo 6" descr="D:\Github\final-cg1\src\transformmatrix.h - Sublime Text 2 (UNREGISTERED)"/>
+          <p:cNvPicPr>
+            <a:picLocks noGrp="1" noChangeAspect="1"/>
+          </p:cNvPicPr>
+          <p:nvPr>
+            <p:ph sz="half" idx="1"/>
+          </p:nvPr>
+        </p:nvPicPr>
+        <p:blipFill rotWithShape="1">
+          <a:blip r:embed="rId3">
+            <a:extLst>
+              <a:ext uri="{28A0092B-C50C-407E-A947-70E740481C1C}">
+                <a14:useLocalDpi xmlns:a14="http://schemas.microsoft.com/office/drawing/2010/main" val="0"/>
+              </a:ext>
+            </a:extLst>
+          </a:blip>
+          <a:srcRect l="4938" t="58040" r="65764" b="27497"/>
+          <a:stretch/>
+        </p:blipFill>
+        <p:spPr>
+          <a:xfrm>
+            <a:off x="559022" y="3451192"/>
+            <a:ext cx="3886201" cy="1082172"/>
+          </a:xfrm>
+        </p:spPr>
+      </p:pic>
+      <p:sp>
+        <p:nvSpPr>
+          <p:cNvPr id="5" name="Espaço Reservado para Conteúdo 4"/>
+          <p:cNvSpPr>
+            <a:spLocks noGrp="1"/>
+          </p:cNvSpPr>
+          <p:nvPr>
+            <p:ph sz="half" idx="2"/>
+          </p:nvPr>
+        </p:nvSpPr>
+        <p:spPr/>
+        <p:txBody>
+          <a:bodyPr>
+            <a:normAutofit fontScale="92500" lnSpcReduction="10000"/>
+          </a:bodyPr>
+          <a:lstStyle/>
+          <a:p>
+            <a:r>
+              <a:rPr lang="pt-BR" dirty="0" smtClean="0"/>
+              <a:t>Definidos no mesmo arquivo da matriz de transformação.</a:t>
+            </a:r>
+            <a:endParaRPr lang="pt-BR" dirty="0"/>
+          </a:p>
+          <a:p>
+            <a:pPr lvl="1"/>
+            <a:r>
+              <a:rPr lang="pt-BR" dirty="0"/>
+              <a:t>Porém, </a:t>
+            </a:r>
+            <a:r>
+              <a:rPr lang="pt-BR" dirty="0" smtClean="0"/>
+              <a:t>não pertencem a classe.</a:t>
+            </a:r>
+            <a:endParaRPr lang="pt-BR" dirty="0"/>
+          </a:p>
+          <a:p>
+            <a:r>
+              <a:rPr lang="pt-BR" dirty="0" smtClean="0"/>
+              <a:t>Recebem </a:t>
+            </a:r>
+            <a:r>
+              <a:rPr lang="pt-BR" dirty="0"/>
+              <a:t>parâmetros específicos a cada </a:t>
+            </a:r>
+            <a:r>
+              <a:rPr lang="pt-BR" dirty="0" smtClean="0"/>
+              <a:t>transformação, </a:t>
+            </a:r>
+            <a:r>
+              <a:rPr lang="pt-BR" dirty="0"/>
+              <a:t>constroem e retornam um objeto da classe TransformMatrix que descreve a transformação desejada</a:t>
+            </a:r>
+            <a:r>
+              <a:rPr lang="pt-BR" dirty="0" smtClean="0"/>
+              <a:t>.</a:t>
+            </a:r>
+            <a:endParaRPr lang="pt-BR" dirty="0"/>
+          </a:p>
+        </p:txBody>
+      </p:sp>
+      <p:sp>
+        <p:nvSpPr>
+          <p:cNvPr id="6" name="Espaço Reservado para Número de Slide 3"/>
+          <p:cNvSpPr>
+            <a:spLocks noGrp="1"/>
+          </p:cNvSpPr>
+          <p:nvPr>
+            <p:ph type="sldNum" sz="quarter" idx="12"/>
+          </p:nvPr>
+        </p:nvSpPr>
+        <p:spPr/>
+        <p:txBody>
+          <a:bodyPr/>
+          <a:lstStyle/>
+          <a:p>
+            <a:pPr lvl="0"/>
+            <a:fld id="{27CEE87B-28A2-4B77-AB6D-024EE2D3234A}" type="slidenum">
+              <a:t>22</a:t>
+            </a:fld>
+            <a:endParaRPr lang="de-DE"/>
+          </a:p>
+        </p:txBody>
+      </p:sp>
+    </p:spTree>
+    <p:extLst>
+      <p:ext uri="{BB962C8B-B14F-4D97-AF65-F5344CB8AC3E}">
+        <p14:creationId xmlns:p14="http://schemas.microsoft.com/office/powerpoint/2010/main" val="880093107"/>
+      </p:ext>
+    </p:extLst>
+  </p:cSld>
+  <p:clrMapOvr>
+    <a:masterClrMapping/>
+  </p:clrMapOvr>
+  <mc:AlternateContent xmlns:mc="http://schemas.openxmlformats.org/markup-compatibility/2006">
+    <mc:Choice xmlns:p14="http://schemas.microsoft.com/office/powerpoint/2010/main" Requires="p14">
+      <p:transition spd="slow" p14:dur="2000"/>
+    </mc:Choice>
+    <mc:Fallback>
+      <p:transition spd="slow"/>
+    </mc:Fallback>
+  </mc:AlternateContent>
+  <p:timing>
+    <p:tnLst>
+      <p:par>
+        <p:cTn id="1" dur="indefinite" restart="never" nodeType="tmRoot"/>
+      </p:par>
+    </p:tnLst>
+  </p:timing>
+</p:sld>
+</file>
+
+<file path=ppt/slides/slide23.xml><?xml version="1.0" encoding="utf-8"?>
+<p:sld xmlns:a="http://schemas.openxmlformats.org/drawingml/2006/main" xmlns:r="http://schemas.openxmlformats.org/officeDocument/2006/relationships" xmlns:p="http://schemas.openxmlformats.org/presentationml/2006/main">
+  <p:cSld>
+    <p:spTree>
+      <p:nvGrpSpPr>
+        <p:cNvPr id="1" name=""/>
+        <p:cNvGrpSpPr/>
+        <p:nvPr/>
+      </p:nvGrpSpPr>
+      <p:grpSpPr>
+        <a:xfrm>
+          <a:off x="0" y="0"/>
+          <a:ext cx="0" cy="0"/>
+          <a:chOff x="0" y="0"/>
+          <a:chExt cx="0" cy="0"/>
+        </a:xfrm>
+      </p:grpSpPr>
+      <p:sp>
+        <p:nvSpPr>
+          <p:cNvPr id="2" name="Título 1"/>
+          <p:cNvSpPr>
+            <a:spLocks noGrp="1"/>
+          </p:cNvSpPr>
+          <p:nvPr>
+            <p:ph type="title"/>
+          </p:nvPr>
+        </p:nvSpPr>
+        <p:spPr/>
+        <p:txBody>
+          <a:bodyPr/>
+          <a:lstStyle/>
+          <a:p>
+            <a:r>
+              <a:rPr lang="pt-BR" dirty="0" smtClean="0"/>
+              <a:t>Translação</a:t>
+            </a:r>
+            <a:endParaRPr lang="pt-BR" dirty="0"/>
+          </a:p>
+        </p:txBody>
+      </p:sp>
+      <p:pic>
+        <p:nvPicPr>
+          <p:cNvPr id="5" name="Espaço Reservado para Conteúdo 4"/>
+          <p:cNvPicPr>
+            <a:picLocks noGrp="1" noChangeAspect="1"/>
+          </p:cNvPicPr>
+          <p:nvPr>
+            <p:ph sz="half" idx="1"/>
+          </p:nvPr>
+        </p:nvPicPr>
+        <p:blipFill>
+          <a:blip r:embed="rId2">
+            <a:extLst>
+              <a:ext uri="{28A0092B-C50C-407E-A947-70E740481C1C}">
+                <a14:useLocalDpi xmlns:a14="http://schemas.microsoft.com/office/drawing/2010/main" val="0"/>
+              </a:ext>
+            </a:extLst>
+          </a:blip>
+          <a:stretch>
+            <a:fillRect/>
+          </a:stretch>
+        </p:blipFill>
+        <p:spPr>
+          <a:xfrm>
+            <a:off x="628650" y="2669991"/>
+            <a:ext cx="3886200" cy="2662606"/>
+          </a:xfrm>
+        </p:spPr>
+      </p:pic>
+      <p:sp>
+        <p:nvSpPr>
+          <p:cNvPr id="4" name="Espaço Reservado para Conteúdo 3"/>
+          <p:cNvSpPr>
+            <a:spLocks noGrp="1"/>
+          </p:cNvSpPr>
+          <p:nvPr>
+            <p:ph sz="half" idx="2"/>
+          </p:nvPr>
+        </p:nvSpPr>
+        <p:spPr/>
+        <p:txBody>
+          <a:bodyPr/>
+          <a:lstStyle/>
+          <a:p>
+            <a:r>
+              <a:rPr lang="pt-BR" dirty="0" smtClean="0"/>
+              <a:t>Faz adição Ponto-Vetor</a:t>
+            </a:r>
+          </a:p>
+          <a:p>
+            <a:r>
+              <a:rPr lang="pt-BR" dirty="0" smtClean="0"/>
+              <a:t>Parâmetros</a:t>
+            </a:r>
+            <a:r>
+              <a:rPr lang="pt-BR" dirty="0"/>
+              <a:t>:</a:t>
+            </a:r>
+          </a:p>
+          <a:p>
+            <a:pPr lvl="1"/>
+            <a:r>
+              <a:rPr lang="pt-BR" dirty="0"/>
+              <a:t>Três valores double, representando o deslocamento em X,Y e Z</a:t>
+            </a:r>
+          </a:p>
+          <a:p>
+            <a:pPr lvl="1"/>
+            <a:r>
+              <a:rPr lang="pt-BR" dirty="0"/>
+              <a:t>Ou um QVector3D com o mesmo significado</a:t>
+            </a:r>
+            <a:r>
+              <a:rPr lang="pt-BR" dirty="0" smtClean="0"/>
+              <a:t>.</a:t>
+            </a:r>
+            <a:endParaRPr lang="pt-BR" dirty="0"/>
+          </a:p>
+        </p:txBody>
+      </p:sp>
+    </p:spTree>
+    <p:extLst>
+      <p:ext uri="{BB962C8B-B14F-4D97-AF65-F5344CB8AC3E}">
+        <p14:creationId xmlns:p14="http://schemas.microsoft.com/office/powerpoint/2010/main" val="1308710727"/>
+      </p:ext>
+    </p:extLst>
+  </p:cSld>
+  <p:clrMapOvr>
+    <a:masterClrMapping/>
+  </p:clrMapOvr>
+  <p:timing>
+    <p:tnLst>
+      <p:par>
+        <p:cTn id="1" dur="indefinite" restart="never" nodeType="tmRoot"/>
+      </p:par>
+    </p:tnLst>
+  </p:timing>
+</p:sld>
+</file>
+
+<file path=ppt/slides/slide24.xml><?xml version="1.0" encoding="utf-8"?>
+<p:sld xmlns:a="http://schemas.openxmlformats.org/drawingml/2006/main" xmlns:r="http://schemas.openxmlformats.org/officeDocument/2006/relationships" xmlns:p="http://schemas.openxmlformats.org/presentationml/2006/main">
+  <p:cSld>
+    <p:spTree>
+      <p:nvGrpSpPr>
+        <p:cNvPr id="1" name=""/>
+        <p:cNvGrpSpPr/>
+        <p:nvPr/>
+      </p:nvGrpSpPr>
+      <p:grpSpPr>
+        <a:xfrm>
+          <a:off x="0" y="0"/>
+          <a:ext cx="0" cy="0"/>
+          <a:chOff x="0" y="0"/>
+          <a:chExt cx="0" cy="0"/>
+        </a:xfrm>
+      </p:grpSpPr>
+      <p:sp>
+        <p:nvSpPr>
+          <p:cNvPr id="2" name="Título 1"/>
+          <p:cNvSpPr>
+            <a:spLocks noGrp="1"/>
+          </p:cNvSpPr>
+          <p:nvPr>
+            <p:ph type="title"/>
+          </p:nvPr>
+        </p:nvSpPr>
+        <p:spPr/>
+        <p:txBody>
+          <a:bodyPr/>
+          <a:lstStyle/>
+          <a:p>
+            <a:r>
+              <a:rPr lang="pt-BR" dirty="0" smtClean="0"/>
+              <a:t>Escala</a:t>
+            </a:r>
+            <a:endParaRPr lang="pt-BR" dirty="0"/>
+          </a:p>
+        </p:txBody>
+      </p:sp>
+      <p:pic>
+        <p:nvPicPr>
+          <p:cNvPr id="5" name="Espaço Reservado para Conteúdo 4"/>
+          <p:cNvPicPr>
+            <a:picLocks noGrp="1" noChangeAspect="1"/>
+          </p:cNvPicPr>
+          <p:nvPr>
+            <p:ph sz="half" idx="1"/>
+          </p:nvPr>
+        </p:nvPicPr>
+        <p:blipFill>
+          <a:blip r:embed="rId2">
+            <a:extLst>
+              <a:ext uri="{28A0092B-C50C-407E-A947-70E740481C1C}">
+                <a14:useLocalDpi xmlns:a14="http://schemas.microsoft.com/office/drawing/2010/main" val="0"/>
+              </a:ext>
+            </a:extLst>
+          </a:blip>
+          <a:stretch>
+            <a:fillRect/>
+          </a:stretch>
+        </p:blipFill>
+        <p:spPr>
+          <a:xfrm>
+            <a:off x="628650" y="2669991"/>
+            <a:ext cx="3886200" cy="2662606"/>
+          </a:xfrm>
+        </p:spPr>
+      </p:pic>
+      <p:sp>
+        <p:nvSpPr>
+          <p:cNvPr id="4" name="Espaço Reservado para Conteúdo 3"/>
+          <p:cNvSpPr>
+            <a:spLocks noGrp="1"/>
+          </p:cNvSpPr>
+          <p:nvPr>
+            <p:ph sz="half" idx="2"/>
+          </p:nvPr>
+        </p:nvSpPr>
+        <p:spPr/>
+        <p:txBody>
+          <a:bodyPr/>
+          <a:lstStyle/>
+          <a:p>
+            <a:r>
+              <a:rPr lang="pt-BR" dirty="0" smtClean="0"/>
+              <a:t>Uma escala potencialmente não uniforme</a:t>
+            </a:r>
+          </a:p>
+          <a:p>
+            <a:r>
+              <a:rPr lang="pt-BR" dirty="0" smtClean="0"/>
+              <a:t>Parâmetros</a:t>
+            </a:r>
+            <a:endParaRPr lang="pt-BR" dirty="0"/>
+          </a:p>
+          <a:p>
+            <a:pPr lvl="1"/>
+            <a:r>
+              <a:rPr lang="pt-BR" dirty="0"/>
+              <a:t>Três valores double representando a escala em X,Y,Z</a:t>
+            </a:r>
+          </a:p>
+          <a:p>
+            <a:pPr marL="0" indent="0">
+              <a:buNone/>
+            </a:pPr>
+            <a:endParaRPr lang="pt-BR" dirty="0"/>
+          </a:p>
+        </p:txBody>
+      </p:sp>
+    </p:spTree>
+    <p:extLst>
+      <p:ext uri="{BB962C8B-B14F-4D97-AF65-F5344CB8AC3E}">
+        <p14:creationId xmlns:p14="http://schemas.microsoft.com/office/powerpoint/2010/main" val="3187463126"/>
+      </p:ext>
+    </p:extLst>
+  </p:cSld>
+  <p:clrMapOvr>
+    <a:masterClrMapping/>
+  </p:clrMapOvr>
+  <p:timing>
+    <p:tnLst>
+      <p:par>
+        <p:cTn id="1" dur="indefinite" restart="never" nodeType="tmRoot"/>
+      </p:par>
+    </p:tnLst>
+  </p:timing>
+</p:sld>
+</file>
+
+<file path=ppt/slides/slide25.xml><?xml version="1.0" encoding="utf-8"?>
+<p:sld xmlns:a="http://schemas.openxmlformats.org/drawingml/2006/main" xmlns:r="http://schemas.openxmlformats.org/officeDocument/2006/relationships" xmlns:p="http://schemas.openxmlformats.org/presentationml/2006/main">
+  <p:cSld>
+    <p:spTree>
+      <p:nvGrpSpPr>
+        <p:cNvPr id="1" name=""/>
+        <p:cNvGrpSpPr/>
+        <p:nvPr/>
+      </p:nvGrpSpPr>
+      <p:grpSpPr>
+        <a:xfrm>
+          <a:off x="0" y="0"/>
+          <a:ext cx="0" cy="0"/>
+          <a:chOff x="0" y="0"/>
+          <a:chExt cx="0" cy="0"/>
+        </a:xfrm>
+      </p:grpSpPr>
+      <p:sp>
+        <p:nvSpPr>
+          <p:cNvPr id="2" name="Título 1"/>
+          <p:cNvSpPr>
+            <a:spLocks noGrp="1"/>
+          </p:cNvSpPr>
+          <p:nvPr>
+            <p:ph type="title"/>
+          </p:nvPr>
+        </p:nvSpPr>
+        <p:spPr/>
+        <p:txBody>
+          <a:bodyPr/>
+          <a:lstStyle/>
+          <a:p>
+            <a:r>
+              <a:rPr lang="pt-BR" dirty="0" smtClean="0"/>
+              <a:t>Escala</a:t>
+            </a:r>
+            <a:endParaRPr lang="pt-BR" dirty="0"/>
+          </a:p>
+        </p:txBody>
+      </p:sp>
+      <p:pic>
+        <p:nvPicPr>
+          <p:cNvPr id="5" name="Espaço Reservado para Conteúdo 4"/>
+          <p:cNvPicPr>
+            <a:picLocks noGrp="1" noChangeAspect="1"/>
+          </p:cNvPicPr>
+          <p:nvPr>
+            <p:ph sz="half" idx="1"/>
+          </p:nvPr>
+        </p:nvPicPr>
+        <p:blipFill>
+          <a:blip r:embed="rId2">
+            <a:extLst>
+              <a:ext uri="{28A0092B-C50C-407E-A947-70E740481C1C}">
+                <a14:useLocalDpi xmlns:a14="http://schemas.microsoft.com/office/drawing/2010/main" val="0"/>
+              </a:ext>
+            </a:extLst>
+          </a:blip>
+          <a:stretch>
+            <a:fillRect/>
+          </a:stretch>
+        </p:blipFill>
+        <p:spPr>
+          <a:xfrm>
+            <a:off x="628651" y="2669991"/>
+            <a:ext cx="3886198" cy="2662606"/>
+          </a:xfrm>
+        </p:spPr>
+      </p:pic>
+      <p:sp>
+        <p:nvSpPr>
+          <p:cNvPr id="4" name="Espaço Reservado para Conteúdo 3"/>
+          <p:cNvSpPr>
+            <a:spLocks noGrp="1"/>
+          </p:cNvSpPr>
+          <p:nvPr>
+            <p:ph sz="half" idx="2"/>
+          </p:nvPr>
+        </p:nvSpPr>
+        <p:spPr/>
+        <p:txBody>
+          <a:bodyPr/>
+          <a:lstStyle/>
+          <a:p>
+            <a:r>
+              <a:rPr lang="pt-BR" dirty="0" smtClean="0"/>
+              <a:t>Uma escala potencialmente não uniforme</a:t>
+            </a:r>
+          </a:p>
+          <a:p>
+            <a:r>
+              <a:rPr lang="pt-BR" dirty="0" smtClean="0"/>
+              <a:t>Parâmetros</a:t>
+            </a:r>
+            <a:endParaRPr lang="pt-BR" dirty="0"/>
+          </a:p>
+          <a:p>
+            <a:pPr lvl="1"/>
+            <a:r>
+              <a:rPr lang="pt-BR" dirty="0"/>
+              <a:t>Três valores double representando a escala em X,Y,Z</a:t>
+            </a:r>
+          </a:p>
+          <a:p>
+            <a:pPr marL="0" indent="0">
+              <a:buNone/>
+            </a:pPr>
+            <a:endParaRPr lang="pt-BR" dirty="0"/>
+          </a:p>
+        </p:txBody>
+      </p:sp>
+    </p:spTree>
+    <p:extLst>
+      <p:ext uri="{BB962C8B-B14F-4D97-AF65-F5344CB8AC3E}">
+        <p14:creationId xmlns:p14="http://schemas.microsoft.com/office/powerpoint/2010/main" val="1265655601"/>
+      </p:ext>
+    </p:extLst>
+  </p:cSld>
+  <p:clrMapOvr>
+    <a:masterClrMapping/>
+  </p:clrMapOvr>
+  <p:timing>
+    <p:tnLst>
+      <p:par>
+        <p:cTn id="1" dur="indefinite" restart="never" nodeType="tmRoot"/>
+      </p:par>
+    </p:tnLst>
+  </p:timing>
+</p:sld>
+</file>
+
+<file path=ppt/slides/slide26.xml><?xml version="1.0" encoding="utf-8"?>
+<p:sld xmlns:a="http://schemas.openxmlformats.org/drawingml/2006/main" xmlns:r="http://schemas.openxmlformats.org/officeDocument/2006/relationships" xmlns:p="http://schemas.openxmlformats.org/presentationml/2006/main">
+  <p:cSld>
+    <p:spTree>
+      <p:nvGrpSpPr>
+        <p:cNvPr id="1" name=""/>
+        <p:cNvGrpSpPr/>
+        <p:nvPr/>
+      </p:nvGrpSpPr>
+      <p:grpSpPr>
+        <a:xfrm>
+          <a:off x="0" y="0"/>
+          <a:ext cx="0" cy="0"/>
+          <a:chOff x="0" y="0"/>
+          <a:chExt cx="0" cy="0"/>
+        </a:xfrm>
+      </p:grpSpPr>
+      <p:sp>
+        <p:nvSpPr>
+          <p:cNvPr id="2" name="Título 1"/>
+          <p:cNvSpPr>
+            <a:spLocks noGrp="1"/>
+          </p:cNvSpPr>
+          <p:nvPr>
+            <p:ph type="title"/>
+          </p:nvPr>
+        </p:nvSpPr>
+        <p:spPr/>
+        <p:txBody>
+          <a:bodyPr/>
+          <a:lstStyle/>
+          <a:p>
+            <a:r>
+              <a:rPr lang="pt-BR" dirty="0" smtClean="0"/>
+              <a:t>Rotação</a:t>
+            </a:r>
+            <a:endParaRPr lang="pt-BR" dirty="0"/>
+          </a:p>
+        </p:txBody>
+      </p:sp>
+      <p:pic>
+        <p:nvPicPr>
+          <p:cNvPr id="5" name="Espaço Reservado para Conteúdo 4"/>
+          <p:cNvPicPr>
+            <a:picLocks noGrp="1" noChangeAspect="1"/>
+          </p:cNvPicPr>
+          <p:nvPr>
+            <p:ph sz="half" idx="1"/>
+          </p:nvPr>
+        </p:nvPicPr>
+        <p:blipFill>
+          <a:blip r:embed="rId2">
+            <a:extLst>
+              <a:ext uri="{28A0092B-C50C-407E-A947-70E740481C1C}">
+                <a14:useLocalDpi xmlns:a14="http://schemas.microsoft.com/office/drawing/2010/main" val="0"/>
+              </a:ext>
+            </a:extLst>
+          </a:blip>
+          <a:stretch>
+            <a:fillRect/>
+          </a:stretch>
+        </p:blipFill>
+        <p:spPr>
+          <a:xfrm>
+            <a:off x="679686" y="2617167"/>
+            <a:ext cx="3784127" cy="2768254"/>
+          </a:xfrm>
+        </p:spPr>
+      </p:pic>
+      <p:sp>
+        <p:nvSpPr>
+          <p:cNvPr id="4" name="Espaço Reservado para Conteúdo 3"/>
+          <p:cNvSpPr>
+            <a:spLocks noGrp="1"/>
+          </p:cNvSpPr>
+          <p:nvPr>
+            <p:ph sz="half" idx="2"/>
+          </p:nvPr>
+        </p:nvSpPr>
+        <p:spPr/>
+        <p:txBody>
+          <a:bodyPr/>
+          <a:lstStyle/>
+          <a:p>
+            <a:r>
+              <a:rPr lang="pt-BR" dirty="0" smtClean="0"/>
+              <a:t>Em algum dos planos ou em um vetor específico</a:t>
+            </a:r>
+            <a:endParaRPr lang="pt-BR" dirty="0"/>
+          </a:p>
+          <a:p>
+            <a:r>
+              <a:rPr lang="pt-BR" dirty="0" smtClean="0"/>
+              <a:t>Parâmetros</a:t>
+            </a:r>
+            <a:endParaRPr lang="pt-BR" dirty="0"/>
+          </a:p>
+          <a:p>
+            <a:pPr lvl="1"/>
+            <a:r>
+              <a:rPr lang="pt-BR" dirty="0" smtClean="0"/>
+              <a:t>Ângulo em graus</a:t>
+            </a:r>
+          </a:p>
+          <a:p>
+            <a:pPr lvl="1"/>
+            <a:r>
+              <a:rPr lang="pt-BR" dirty="0" smtClean="0"/>
+              <a:t>Ângulo e um QVector3D representando o eixo de rotação</a:t>
+            </a:r>
+          </a:p>
+        </p:txBody>
+      </p:sp>
+    </p:spTree>
+    <p:extLst>
+      <p:ext uri="{BB962C8B-B14F-4D97-AF65-F5344CB8AC3E}">
+        <p14:creationId xmlns:p14="http://schemas.microsoft.com/office/powerpoint/2010/main" val="311487416"/>
+      </p:ext>
+    </p:extLst>
+  </p:cSld>
+  <p:clrMapOvr>
+    <a:masterClrMapping/>
+  </p:clrMapOvr>
+  <p:timing>
+    <p:tnLst>
+      <p:par>
+        <p:cTn id="1" dur="indefinite" restart="never" nodeType="tmRoot"/>
+      </p:par>
+    </p:tnLst>
+  </p:timing>
+</p:sld>
+</file>
+
+<file path=ppt/slides/slide27.xml><?xml version="1.0" encoding="utf-8"?>
+<p:sld xmlns:a="http://schemas.openxmlformats.org/drawingml/2006/main" xmlns:r="http://schemas.openxmlformats.org/officeDocument/2006/relationships" xmlns:p="http://schemas.openxmlformats.org/presentationml/2006/main">
+  <p:cSld>
+    <p:spTree>
+      <p:nvGrpSpPr>
+        <p:cNvPr id="1" name=""/>
+        <p:cNvGrpSpPr/>
+        <p:nvPr/>
+      </p:nvGrpSpPr>
+      <p:grpSpPr>
+        <a:xfrm>
+          <a:off x="0" y="0"/>
+          <a:ext cx="0" cy="0"/>
+          <a:chOff x="0" y="0"/>
+          <a:chExt cx="0" cy="0"/>
+        </a:xfrm>
+      </p:grpSpPr>
+      <p:sp>
+        <p:nvSpPr>
+          <p:cNvPr id="2" name="Título 1"/>
+          <p:cNvSpPr>
+            <a:spLocks noGrp="1"/>
+          </p:cNvSpPr>
+          <p:nvPr>
+            <p:ph type="title"/>
+          </p:nvPr>
+        </p:nvSpPr>
+        <p:spPr/>
+        <p:txBody>
+          <a:bodyPr/>
+          <a:lstStyle/>
+          <a:p>
+            <a:r>
+              <a:rPr lang="pt-BR" dirty="0" smtClean="0"/>
+              <a:t>Rotação</a:t>
+            </a:r>
+            <a:endParaRPr lang="pt-BR" dirty="0"/>
+          </a:p>
+        </p:txBody>
+      </p:sp>
+      <p:pic>
+        <p:nvPicPr>
+          <p:cNvPr id="5" name="Espaço Reservado para Conteúdo 4"/>
+          <p:cNvPicPr>
+            <a:picLocks noGrp="1" noChangeAspect="1"/>
+          </p:cNvPicPr>
+          <p:nvPr>
+            <p:ph sz="half" idx="1"/>
+          </p:nvPr>
+        </p:nvPicPr>
+        <p:blipFill>
+          <a:blip r:embed="rId2">
+            <a:extLst>
+              <a:ext uri="{28A0092B-C50C-407E-A947-70E740481C1C}">
+                <a14:useLocalDpi xmlns:a14="http://schemas.microsoft.com/office/drawing/2010/main" val="0"/>
+              </a:ext>
+            </a:extLst>
+          </a:blip>
+          <a:stretch>
+            <a:fillRect/>
+          </a:stretch>
+        </p:blipFill>
+        <p:spPr>
+          <a:xfrm>
+            <a:off x="866757" y="2617167"/>
+            <a:ext cx="3409985" cy="2768254"/>
+          </a:xfrm>
+        </p:spPr>
+      </p:pic>
+      <p:sp>
+        <p:nvSpPr>
+          <p:cNvPr id="4" name="Espaço Reservado para Conteúdo 3"/>
+          <p:cNvSpPr>
+            <a:spLocks noGrp="1"/>
+          </p:cNvSpPr>
+          <p:nvPr>
+            <p:ph sz="half" idx="2"/>
+          </p:nvPr>
+        </p:nvSpPr>
+        <p:spPr/>
+        <p:txBody>
+          <a:bodyPr/>
+          <a:lstStyle/>
+          <a:p>
+            <a:r>
+              <a:rPr lang="pt-BR" dirty="0" smtClean="0"/>
+              <a:t>Em algum dos planos ou em um vetor específico</a:t>
+            </a:r>
+            <a:endParaRPr lang="pt-BR" dirty="0"/>
+          </a:p>
+          <a:p>
+            <a:r>
+              <a:rPr lang="pt-BR" dirty="0" smtClean="0"/>
+              <a:t>Parâmetros</a:t>
+            </a:r>
+            <a:endParaRPr lang="pt-BR" dirty="0"/>
+          </a:p>
+          <a:p>
+            <a:pPr lvl="1"/>
+            <a:r>
+              <a:rPr lang="pt-BR" dirty="0" smtClean="0"/>
+              <a:t>Ângulo em graus</a:t>
+            </a:r>
+          </a:p>
+          <a:p>
+            <a:pPr lvl="1"/>
+            <a:r>
+              <a:rPr lang="pt-BR" dirty="0" smtClean="0"/>
+              <a:t>Ângulo e um QVector3D representando o eixo de rotação</a:t>
+            </a:r>
+          </a:p>
+        </p:txBody>
+      </p:sp>
+    </p:spTree>
+    <p:extLst>
+      <p:ext uri="{BB962C8B-B14F-4D97-AF65-F5344CB8AC3E}">
+        <p14:creationId xmlns:p14="http://schemas.microsoft.com/office/powerpoint/2010/main" val="2225638059"/>
+      </p:ext>
+    </p:extLst>
+  </p:cSld>
+  <p:clrMapOvr>
+    <a:masterClrMapping/>
+  </p:clrMapOvr>
+  <p:timing>
+    <p:tnLst>
+      <p:par>
+        <p:cTn id="1" dur="indefinite" restart="never" nodeType="tmRoot"/>
+      </p:par>
+    </p:tnLst>
+  </p:timing>
+</p:sld>
+</file>
+
+<file path=ppt/slides/slide28.xml><?xml version="1.0" encoding="utf-8"?>
+<p:sld xmlns:a="http://schemas.openxmlformats.org/drawingml/2006/main" xmlns:r="http://schemas.openxmlformats.org/officeDocument/2006/relationships" xmlns:p="http://schemas.openxmlformats.org/presentationml/2006/main">
+  <p:cSld>
+    <p:spTree>
+      <p:nvGrpSpPr>
+        <p:cNvPr id="1" name=""/>
+        <p:cNvGrpSpPr/>
+        <p:nvPr/>
+      </p:nvGrpSpPr>
+      <p:grpSpPr>
+        <a:xfrm>
+          <a:off x="0" y="0"/>
+          <a:ext cx="0" cy="0"/>
+          <a:chOff x="0" y="0"/>
+          <a:chExt cx="0" cy="0"/>
+        </a:xfrm>
+      </p:grpSpPr>
+      <p:sp>
+        <p:nvSpPr>
+          <p:cNvPr id="2" name="Título 1"/>
+          <p:cNvSpPr>
+            <a:spLocks noGrp="1"/>
+          </p:cNvSpPr>
+          <p:nvPr>
+            <p:ph type="title"/>
+          </p:nvPr>
+        </p:nvSpPr>
+        <p:spPr/>
+        <p:txBody>
+          <a:bodyPr/>
+          <a:lstStyle/>
+          <a:p>
+            <a:r>
+              <a:rPr lang="de-DE" dirty="0"/>
+              <a:t>Como aplicar a transformação?</a:t>
+            </a:r>
+            <a:endParaRPr lang="pt-BR" dirty="0"/>
+          </a:p>
+        </p:txBody>
+      </p:sp>
+      <p:sp>
+        <p:nvSpPr>
+          <p:cNvPr id="3" name="Espaço Reservado para Conteúdo 2"/>
+          <p:cNvSpPr>
+            <a:spLocks noGrp="1"/>
+          </p:cNvSpPr>
+          <p:nvPr>
+            <p:ph idx="1"/>
+          </p:nvPr>
+        </p:nvSpPr>
+        <p:spPr/>
+        <p:txBody>
+          <a:bodyPr/>
+          <a:lstStyle/>
+          <a:p>
+            <a:r>
+              <a:rPr lang="pt-BR" dirty="0"/>
+              <a:t>Função do modelo que recebe uma matriz de transformação e itera por seus vértices, multiplicando a matriz por cada um deles</a:t>
+            </a:r>
+          </a:p>
+          <a:p>
+            <a:r>
+              <a:rPr lang="pt-BR" dirty="0"/>
+              <a:t>Parâmetros</a:t>
+            </a:r>
+          </a:p>
+          <a:p>
+            <a:pPr lvl="1"/>
+            <a:r>
+              <a:rPr lang="pt-BR" dirty="0"/>
+              <a:t>A matriz </a:t>
+            </a:r>
+            <a:r>
+              <a:rPr lang="pt-BR" dirty="0" smtClean="0"/>
+              <a:t>de transformação retornada pelas funções</a:t>
+            </a:r>
+            <a:endParaRPr lang="pt-BR" dirty="0"/>
+          </a:p>
+          <a:p>
+            <a:pPr lvl="1"/>
+            <a:r>
+              <a:rPr lang="pt-BR" dirty="0"/>
+              <a:t>Pode-se também especificar apenas um </a:t>
+            </a:r>
+            <a:r>
+              <a:rPr lang="pt-BR" dirty="0" smtClean="0"/>
+              <a:t>grupo </a:t>
+            </a:r>
+            <a:r>
+              <a:rPr lang="pt-BR" dirty="0"/>
+              <a:t>no qual a transformação será aplicada, no caso a função só itera nos vértices daquele </a:t>
+            </a:r>
+            <a:r>
+              <a:rPr lang="pt-BR" dirty="0" smtClean="0"/>
+              <a:t>grupo</a:t>
+            </a:r>
+            <a:endParaRPr lang="pt-BR" dirty="0"/>
+          </a:p>
+        </p:txBody>
+      </p:sp>
+    </p:spTree>
+    <p:extLst>
+      <p:ext uri="{BB962C8B-B14F-4D97-AF65-F5344CB8AC3E}">
+        <p14:creationId xmlns:p14="http://schemas.microsoft.com/office/powerpoint/2010/main" val="341496115"/>
+      </p:ext>
+    </p:extLst>
+  </p:cSld>
+  <p:clrMapOvr>
+    <a:masterClrMapping/>
+  </p:clrMapOvr>
+  <p:timing>
+    <p:tnLst>
+      <p:par>
+        <p:cTn id="1" dur="indefinite" restart="never" nodeType="tmRoot"/>
+      </p:par>
+    </p:tnLst>
+  </p:timing>
+</p:sld>
+</file>
+
+<file path=ppt/slides/slide29.xml><?xml version="1.0" encoding="utf-8"?>
+<p:sld xmlns:a="http://schemas.openxmlformats.org/drawingml/2006/main" xmlns:r="http://schemas.openxmlformats.org/officeDocument/2006/relationships" xmlns:p="http://schemas.openxmlformats.org/presentationml/2006/main">
+  <p:cSld>
+    <p:spTree>
+      <p:nvGrpSpPr>
+        <p:cNvPr id="1" name=""/>
+        <p:cNvGrpSpPr/>
+        <p:nvPr/>
+      </p:nvGrpSpPr>
+      <p:grpSpPr>
+        <a:xfrm>
+          <a:off x="0" y="0"/>
+          <a:ext cx="0" cy="0"/>
+          <a:chOff x="0" y="0"/>
+          <a:chExt cx="0" cy="0"/>
+        </a:xfrm>
+      </p:grpSpPr>
+      <p:sp>
+        <p:nvSpPr>
+          <p:cNvPr id="9" name="Retângulo 8"/>
+          <p:cNvSpPr/>
+          <p:nvPr/>
+        </p:nvSpPr>
+        <p:spPr>
+          <a:xfrm>
+            <a:off x="3858564" y="1210614"/>
+            <a:ext cx="4658374" cy="4658374"/>
+          </a:xfrm>
+          <a:prstGeom prst="rect">
+            <a:avLst/>
+          </a:prstGeom>
+          <a:solidFill>
+            <a:srgbClr val="141414"/>
+          </a:solidFill>
+          <a:ln>
+            <a:noFill/>
+          </a:ln>
+        </p:spPr>
+        <p:style>
+          <a:lnRef idx="2">
+            <a:schemeClr val="accent1">
+              <a:shade val="50000"/>
+            </a:schemeClr>
+          </a:lnRef>
+          <a:fillRef idx="1">
+            <a:schemeClr val="accent1"/>
+          </a:fillRef>
+          <a:effectRef idx="0">
+            <a:schemeClr val="accent1"/>
+          </a:effectRef>
+          <a:fontRef idx="minor">
+            <a:schemeClr val="lt1"/>
+          </a:fontRef>
+        </p:style>
+        <p:txBody>
+          <a:bodyPr rtlCol="0" anchor="ctr"/>
+          <a:lstStyle/>
+          <a:p>
+            <a:pPr algn="ctr"/>
+            <a:endParaRPr lang="pt-BR"/>
+          </a:p>
+        </p:txBody>
+      </p:sp>
+      <p:sp>
+        <p:nvSpPr>
+          <p:cNvPr id="4" name="Título 3"/>
+          <p:cNvSpPr>
+            <a:spLocks noGrp="1"/>
+          </p:cNvSpPr>
+          <p:nvPr>
+            <p:ph type="title"/>
+          </p:nvPr>
+        </p:nvSpPr>
+        <p:spPr/>
+        <p:txBody>
+          <a:bodyPr/>
+          <a:lstStyle/>
+          <a:p>
+            <a:r>
+              <a:rPr lang="pt-BR" dirty="0" smtClean="0"/>
+              <a:t>Aplicação e Renderização</a:t>
+            </a:r>
+            <a:endParaRPr lang="pt-BR" dirty="0"/>
+          </a:p>
+        </p:txBody>
+      </p:sp>
+      <p:pic>
+        <p:nvPicPr>
+          <p:cNvPr id="8" name="Espaço Reservado para Conteúdo 7" descr="Recorte de Tela"/>
+          <p:cNvPicPr>
+            <a:picLocks noGrp="1" noChangeAspect="1"/>
+          </p:cNvPicPr>
+          <p:nvPr>
+            <p:ph idx="1"/>
+          </p:nvPr>
+        </p:nvPicPr>
+        <p:blipFill>
+          <a:blip r:embed="rId2">
+            <a:extLst>
+              <a:ext uri="{28A0092B-C50C-407E-A947-70E740481C1C}">
+                <a14:useLocalDpi xmlns:a14="http://schemas.microsoft.com/office/drawing/2010/main" val="0"/>
+              </a:ext>
+            </a:extLst>
+          </a:blip>
+          <a:stretch>
+            <a:fillRect/>
+          </a:stretch>
+        </p:blipFill>
+        <p:spPr>
+          <a:xfrm>
+            <a:off x="3887788" y="2390159"/>
+            <a:ext cx="4629150" cy="2068156"/>
+          </a:xfrm>
+        </p:spPr>
+      </p:pic>
+      <p:sp>
+        <p:nvSpPr>
+          <p:cNvPr id="7" name="Espaço Reservado para Texto 6"/>
+          <p:cNvSpPr>
+            <a:spLocks noGrp="1"/>
+          </p:cNvSpPr>
+          <p:nvPr>
+            <p:ph type="body" sz="half" idx="2"/>
+          </p:nvPr>
+        </p:nvSpPr>
+        <p:spPr/>
+        <p:txBody>
+          <a:bodyPr/>
+          <a:lstStyle/>
+          <a:p>
+            <a:pPr marL="285750" indent="-285750">
+              <a:buFont typeface="Arial" panose="020B0604020202020204" pitchFamily="34" charset="0"/>
+              <a:buChar char="•"/>
+            </a:pPr>
+            <a:r>
+              <a:rPr lang="pt-BR" dirty="0" smtClean="0"/>
+              <a:t>Cada face do modelo é enviado pro pipeline usando o glVertex3d.</a:t>
+            </a:r>
+          </a:p>
+          <a:p>
+            <a:pPr marL="285750" indent="-285750">
+              <a:buFont typeface="Arial" panose="020B0604020202020204" pitchFamily="34" charset="0"/>
+              <a:buChar char="•"/>
+            </a:pPr>
+            <a:r>
+              <a:rPr lang="pt-BR" dirty="0" smtClean="0"/>
+              <a:t>Os modelos tem que </a:t>
+            </a:r>
+            <a:r>
+              <a:rPr lang="pt-BR" dirty="0"/>
+              <a:t>ser </a:t>
+            </a:r>
+            <a:r>
+              <a:rPr lang="pt-BR" dirty="0" smtClean="0"/>
+              <a:t>triangularizados previamente.</a:t>
+            </a:r>
+          </a:p>
+          <a:p>
+            <a:pPr marL="285750" indent="-285750">
+              <a:buFont typeface="Arial" panose="020B0604020202020204" pitchFamily="34" charset="0"/>
+              <a:buChar char="•"/>
+            </a:pPr>
+            <a:r>
+              <a:rPr lang="pt-BR" dirty="0" smtClean="0"/>
+              <a:t>Para aplicar uma transformação usamos um iterador mutável e multiplicamos cada vetor por uma matriz de transformação</a:t>
+            </a:r>
+          </a:p>
+        </p:txBody>
+      </p:sp>
+    </p:spTree>
+    <p:extLst>
+      <p:ext uri="{BB962C8B-B14F-4D97-AF65-F5344CB8AC3E}">
+        <p14:creationId xmlns:p14="http://schemas.microsoft.com/office/powerpoint/2010/main" val="3929453711"/>
+      </p:ext>
+    </p:extLst>
+  </p:cSld>
+  <p:clrMapOvr>
+    <a:masterClrMapping/>
+  </p:clrMapOvr>
+  <p:timing>
+    <p:tnLst>
+      <p:par>
+        <p:cTn id="1" dur="indefinite" restart="never" nodeType="tmRoot"/>
+      </p:par>
+    </p:tnLst>
+  </p:timing>
 </p:sld>
 </file>
 
@@ -8191,7 +9801,7 @@
           <a:bodyPr/>
           <a:lstStyle/>
           <a:p>
-            <a:endParaRPr lang="pt-BR"/>
+            <a:endParaRPr lang="pt-BR" dirty="0"/>
           </a:p>
         </p:txBody>
       </p:sp>
@@ -8217,6 +9827,170 @@
     <p:tnLst>
       <p:par>
         <p:cTn id="1" dur="indefinite" restart="never" nodeType="tmRoot"/>
+      </p:par>
+    </p:tnLst>
+  </p:timing>
+</p:sld>
+</file>
+
+<file path=ppt/slides/slide30.xml><?xml version="1.0" encoding="utf-8"?>
+<p:sld xmlns:a="http://schemas.openxmlformats.org/drawingml/2006/main" xmlns:r="http://schemas.openxmlformats.org/officeDocument/2006/relationships" xmlns:p="http://schemas.openxmlformats.org/presentationml/2006/main">
+  <p:cSld>
+    <p:spTree>
+      <p:nvGrpSpPr>
+        <p:cNvPr id="1" name=""/>
+        <p:cNvGrpSpPr/>
+        <p:nvPr/>
+      </p:nvGrpSpPr>
+      <p:grpSpPr>
+        <a:xfrm>
+          <a:off x="0" y="0"/>
+          <a:ext cx="0" cy="0"/>
+          <a:chOff x="0" y="0"/>
+          <a:chExt cx="0" cy="0"/>
+        </a:xfrm>
+      </p:grpSpPr>
+      <p:sp>
+        <p:nvSpPr>
+          <p:cNvPr id="5" name="Título 4"/>
+          <p:cNvSpPr>
+            <a:spLocks noGrp="1"/>
+          </p:cNvSpPr>
+          <p:nvPr>
+            <p:ph type="title"/>
+          </p:nvPr>
+        </p:nvSpPr>
+        <p:spPr/>
+        <p:txBody>
+          <a:bodyPr/>
+          <a:lstStyle/>
+          <a:p>
+            <a:r>
+              <a:rPr lang="pt-BR" dirty="0" smtClean="0"/>
+              <a:t>Produto Final</a:t>
+            </a:r>
+            <a:endParaRPr lang="pt-BR" dirty="0"/>
+          </a:p>
+        </p:txBody>
+      </p:sp>
+      <p:pic>
+        <p:nvPicPr>
+          <p:cNvPr id="7" name="Final">
+            <a:hlinkClick r:id="" action="ppaction://media"/>
+          </p:cNvPr>
+          <p:cNvPicPr>
+            <a:picLocks noGrp="1" noChangeAspect="1"/>
+          </p:cNvPicPr>
+          <p:nvPr>
+            <p:ph idx="1"/>
+            <a:videoFile r:link="rId2"/>
+            <p:extLst>
+              <p:ext uri="{DAA4B4D4-6D71-4841-9C94-3DE7FCFB9230}">
+                <p14:media xmlns:p14="http://schemas.microsoft.com/office/powerpoint/2010/main" r:embed="rId1"/>
+              </p:ext>
+            </p:extLst>
+          </p:nvPr>
+        </p:nvPicPr>
+        <p:blipFill>
+          <a:blip r:embed="rId4"/>
+          <a:stretch>
+            <a:fillRect/>
+          </a:stretch>
+        </p:blipFill>
+        <p:spPr>
+          <a:xfrm>
+            <a:off x="628650" y="1941513"/>
+            <a:ext cx="7886700" cy="4117975"/>
+          </a:xfrm>
+        </p:spPr>
+      </p:pic>
+    </p:spTree>
+    <p:extLst>
+      <p:ext uri="{BB962C8B-B14F-4D97-AF65-F5344CB8AC3E}">
+        <p14:creationId xmlns:p14="http://schemas.microsoft.com/office/powerpoint/2010/main" val="4051036095"/>
+      </p:ext>
+    </p:extLst>
+  </p:cSld>
+  <p:clrMapOvr>
+    <a:masterClrMapping/>
+  </p:clrMapOvr>
+  <p:timing>
+    <p:tnLst>
+      <p:par>
+        <p:cTn id="1" dur="indefinite" restart="never" nodeType="tmRoot">
+          <p:childTnLst>
+            <p:seq concurrent="1" nextAc="seek">
+              <p:cTn id="2" restart="whenNotActive" fill="hold" evtFilter="cancelBubble" nodeType="interactiveSeq">
+                <p:stCondLst>
+                  <p:cond evt="onClick" delay="0">
+                    <p:tgtEl>
+                      <p:spTgt spid="7"/>
+                    </p:tgtEl>
+                  </p:cond>
+                </p:stCondLst>
+                <p:endSync evt="end" delay="0">
+                  <p:rtn val="all"/>
+                </p:endSync>
+                <p:childTnLst>
+                  <p:par>
+                    <p:cTn id="3" fill="hold">
+                      <p:stCondLst>
+                        <p:cond delay="0"/>
+                      </p:stCondLst>
+                      <p:childTnLst>
+                        <p:par>
+                          <p:cTn id="4" fill="hold">
+                            <p:stCondLst>
+                              <p:cond delay="0"/>
+                            </p:stCondLst>
+                            <p:childTnLst>
+                              <p:par>
+                                <p:cTn id="5" presetID="2" presetClass="mediacall" presetSubtype="0" fill="hold" nodeType="clickEffect">
+                                  <p:stCondLst>
+                                    <p:cond delay="0"/>
+                                  </p:stCondLst>
+                                  <p:childTnLst>
+                                    <p:cmd type="call" cmd="togglePause">
+                                      <p:cBhvr>
+                                        <p:cTn id="6" dur="1" fill="hold"/>
+                                        <p:tgtEl>
+                                          <p:spTgt spid="7"/>
+                                        </p:tgtEl>
+                                      </p:cBhvr>
+                                    </p:cmd>
+                                  </p:childTnLst>
+                                </p:cTn>
+                              </p:par>
+                            </p:childTnLst>
+                          </p:cTn>
+                        </p:par>
+                      </p:childTnLst>
+                    </p:cTn>
+                  </p:par>
+                </p:childTnLst>
+              </p:cTn>
+              <p:nextCondLst>
+                <p:cond evt="onClick" delay="0">
+                  <p:tgtEl>
+                    <p:spTgt spid="7"/>
+                  </p:tgtEl>
+                </p:cond>
+              </p:nextCondLst>
+            </p:seq>
+            <p:video>
+              <p:cMediaNode vol="80000">
+                <p:cTn id="7" fill="hold" display="0">
+                  <p:stCondLst>
+                    <p:cond delay="indefinite"/>
+                  </p:stCondLst>
+                </p:cTn>
+                <p:tgtEl>
+                  <p:spTgt spid="7"/>
+                </p:tgtEl>
+              </p:cMediaNode>
+            </p:video>
+          </p:childTnLst>
+        </p:cTn>
       </p:par>
     </p:tnLst>
   </p:timing>
@@ -8384,7 +10158,7 @@
           <a:lstStyle/>
           <a:p>
             <a:r>
-              <a:rPr lang="pt-BR" dirty="0" err="1" smtClean="0"/>
+              <a:rPr lang="pt-BR" dirty="0" smtClean="0"/>
               <a:t>SketchUp</a:t>
             </a:r>
             <a:r>
@@ -8392,7 +10166,7 @@
               <a:t> </a:t>
             </a:r>
             <a:r>
-              <a:rPr lang="pt-BR" dirty="0" err="1" smtClean="0"/>
+              <a:rPr lang="pt-BR" dirty="0" smtClean="0"/>
               <a:t>Make</a:t>
             </a:r>
             <a:endParaRPr lang="pt-BR" dirty="0"/>
@@ -8444,7 +10218,7 @@
           <a:lstStyle/>
           <a:p>
             <a:r>
-              <a:rPr lang="pt-BR" dirty="0" err="1" smtClean="0"/>
+              <a:rPr lang="pt-BR" dirty="0" smtClean="0"/>
               <a:t>Sketchup</a:t>
             </a:r>
             <a:r>
@@ -8456,7 +10230,7 @@
               <a:t>do @</a:t>
             </a:r>
             <a:r>
-              <a:rPr lang="pt-BR" dirty="0" err="1"/>
+              <a:rPr lang="pt-BR" dirty="0"/>
               <a:t>Last</a:t>
             </a:r>
             <a:r>
@@ -8712,11 +10486,7 @@
           <a:p>
             <a:r>
               <a:rPr lang="pt-BR" dirty="0" smtClean="0"/>
-              <a:t>Arquivo .</a:t>
-            </a:r>
-            <a:r>
-              <a:rPr lang="pt-BR" dirty="0" err="1" smtClean="0"/>
-              <a:t>obj</a:t>
+              <a:t>Arquivo .obj</a:t>
             </a:r>
             <a:endParaRPr lang="pt-BR" dirty="0"/>
           </a:p>
@@ -8927,7 +10697,7 @@
               <a:buNone/>
             </a:pPr>
             <a:r>
-              <a:rPr lang="pt-BR" sz="1600" dirty="0" err="1" smtClean="0">
+              <a:rPr lang="pt-BR" sz="1600" dirty="0" smtClean="0">
                 <a:solidFill>
                   <a:schemeClr val="tx1">
                     <a:lumMod val="75000"/>
@@ -8935,18 +10705,7 @@
                 </a:solidFill>
                 <a:latin typeface="Lucida Console" panose="020B0609040504020204" pitchFamily="49" charset="0"/>
               </a:rPr>
-              <a:t>vt</a:t>
-            </a:r>
-            <a:r>
-              <a:rPr lang="pt-BR" sz="1600" dirty="0" smtClean="0">
-                <a:solidFill>
-                  <a:schemeClr val="tx1">
-                    <a:lumMod val="75000"/>
-                  </a:schemeClr>
-                </a:solidFill>
-                <a:latin typeface="Lucida Console" panose="020B0609040504020204" pitchFamily="49" charset="0"/>
-              </a:rPr>
-              <a:t> </a:t>
+              <a:t>vt </a:t>
             </a:r>
             <a:r>
               <a:rPr lang="pt-BR" sz="1600" dirty="0" smtClean="0">
@@ -9019,7 +10778,7 @@
               <a:buNone/>
             </a:pPr>
             <a:r>
-              <a:rPr lang="pt-BR" sz="1600" dirty="0" err="1" smtClean="0">
+              <a:rPr lang="pt-BR" sz="1600" dirty="0" smtClean="0">
                 <a:solidFill>
                   <a:schemeClr val="tx1">
                     <a:lumMod val="75000"/>
@@ -9027,18 +10786,7 @@
                 </a:solidFill>
                 <a:latin typeface="Lucida Console" panose="020B0609040504020204" pitchFamily="49" charset="0"/>
               </a:rPr>
-              <a:t>vn</a:t>
-            </a:r>
-            <a:r>
-              <a:rPr lang="pt-BR" sz="1600" dirty="0" smtClean="0">
-                <a:solidFill>
-                  <a:schemeClr val="tx1">
-                    <a:lumMod val="75000"/>
-                  </a:schemeClr>
-                </a:solidFill>
-                <a:latin typeface="Lucida Console" panose="020B0609040504020204" pitchFamily="49" charset="0"/>
-              </a:rPr>
-              <a:t> </a:t>
+              <a:t>vn </a:t>
             </a:r>
             <a:r>
               <a:rPr lang="pt-BR" sz="1600" dirty="0" smtClean="0">
@@ -9142,7 +10890,7 @@
               <a:buNone/>
             </a:pPr>
             <a:r>
-              <a:rPr lang="pt-BR" sz="1600" dirty="0" err="1" smtClean="0">
+              <a:rPr lang="pt-BR" sz="1600" dirty="0" smtClean="0">
                 <a:solidFill>
                   <a:schemeClr val="tx1">
                     <a:lumMod val="75000"/>
@@ -9150,18 +10898,7 @@
                 </a:solidFill>
                 <a:latin typeface="Lucida Console" panose="020B0609040504020204" pitchFamily="49" charset="0"/>
               </a:rPr>
-              <a:t>vt</a:t>
-            </a:r>
-            <a:r>
-              <a:rPr lang="pt-BR" sz="1600" dirty="0" smtClean="0">
-                <a:solidFill>
-                  <a:schemeClr val="tx1">
-                    <a:lumMod val="75000"/>
-                  </a:schemeClr>
-                </a:solidFill>
-                <a:latin typeface="Lucida Console" panose="020B0609040504020204" pitchFamily="49" charset="0"/>
-              </a:rPr>
-              <a:t> </a:t>
+              <a:t>vt </a:t>
             </a:r>
             <a:r>
               <a:rPr lang="pt-BR" sz="1600" dirty="0" smtClean="0">
@@ -9184,7 +10921,7 @@
               <a:buNone/>
             </a:pPr>
             <a:r>
-              <a:rPr lang="pt-BR" sz="1600" dirty="0" err="1" smtClean="0">
+              <a:rPr lang="pt-BR" sz="1600" dirty="0" smtClean="0">
                 <a:solidFill>
                   <a:schemeClr val="tx1">
                     <a:lumMod val="75000"/>
@@ -9192,18 +10929,7 @@
                 </a:solidFill>
                 <a:latin typeface="Lucida Console" panose="020B0609040504020204" pitchFamily="49" charset="0"/>
               </a:rPr>
-              <a:t>vn</a:t>
-            </a:r>
-            <a:r>
-              <a:rPr lang="pt-BR" sz="1600" dirty="0" smtClean="0">
-                <a:solidFill>
-                  <a:schemeClr val="tx1">
-                    <a:lumMod val="75000"/>
-                  </a:schemeClr>
-                </a:solidFill>
-                <a:latin typeface="Lucida Console" panose="020B0609040504020204" pitchFamily="49" charset="0"/>
-              </a:rPr>
-              <a:t> </a:t>
+              <a:t>vn </a:t>
             </a:r>
             <a:r>
               <a:rPr lang="pt-BR" sz="1600" dirty="0" smtClean="0">
@@ -9257,7 +10983,7 @@
               <a:buNone/>
             </a:pPr>
             <a:r>
-              <a:rPr lang="pt-BR" sz="1600" dirty="0" err="1" smtClean="0">
+              <a:rPr lang="pt-BR" sz="1600" dirty="0" smtClean="0">
                 <a:solidFill>
                   <a:schemeClr val="tx1">
                     <a:lumMod val="75000"/>
@@ -9265,18 +10991,7 @@
                 </a:solidFill>
                 <a:latin typeface="Lucida Console" panose="020B0609040504020204" pitchFamily="49" charset="0"/>
               </a:rPr>
-              <a:t>vt</a:t>
-            </a:r>
-            <a:r>
-              <a:rPr lang="pt-BR" sz="1600" dirty="0" smtClean="0">
-                <a:solidFill>
-                  <a:schemeClr val="tx1">
-                    <a:lumMod val="75000"/>
-                  </a:schemeClr>
-                </a:solidFill>
-                <a:latin typeface="Lucida Console" panose="020B0609040504020204" pitchFamily="49" charset="0"/>
-              </a:rPr>
-              <a:t> </a:t>
+              <a:t>vt </a:t>
             </a:r>
             <a:r>
               <a:rPr lang="pt-BR" sz="1600" dirty="0" smtClean="0">
@@ -9520,40 +11235,7 @@
                 </a:solidFill>
                 <a:latin typeface="Lucida Console" panose="020B0609040504020204" pitchFamily="49" charset="0"/>
               </a:rPr>
-              <a:t>face com índices para v/</a:t>
-            </a:r>
-            <a:r>
-              <a:rPr lang="pt-BR" sz="1600" dirty="0" err="1" smtClean="0">
-                <a:solidFill>
-                  <a:schemeClr val="tx1">
-                    <a:lumMod val="50000"/>
-                  </a:schemeClr>
-                </a:solidFill>
-                <a:latin typeface="Lucida Console" panose="020B0609040504020204" pitchFamily="49" charset="0"/>
-              </a:rPr>
-              <a:t>vt</a:t>
-            </a:r>
-            <a:r>
-              <a:rPr lang="pt-BR" sz="1600" dirty="0" smtClean="0">
-                <a:solidFill>
-                  <a:schemeClr val="tx1">
-                    <a:lumMod val="50000"/>
-                  </a:schemeClr>
-                </a:solidFill>
-                <a:latin typeface="Lucida Console" panose="020B0609040504020204" pitchFamily="49" charset="0"/>
-              </a:rPr>
-              <a:t>/</a:t>
-            </a:r>
-            <a:r>
-              <a:rPr lang="pt-BR" sz="1600" dirty="0" err="1" smtClean="0">
-                <a:solidFill>
-                  <a:schemeClr val="tx1">
-                    <a:lumMod val="50000"/>
-                  </a:schemeClr>
-                </a:solidFill>
-                <a:latin typeface="Lucida Console" panose="020B0609040504020204" pitchFamily="49" charset="0"/>
-              </a:rPr>
-              <a:t>vn</a:t>
+              <a:t>face com índices para v/vt/vn</a:t>
             </a:r>
             <a:endParaRPr lang="pt-BR" sz="1600" dirty="0">
               <a:solidFill>
@@ -9618,11 +11300,7 @@
           <a:p>
             <a:r>
               <a:rPr lang="pt-BR" dirty="0" smtClean="0"/>
-              <a:t>Lendo um .</a:t>
-            </a:r>
-            <a:r>
-              <a:rPr lang="pt-BR" dirty="0" err="1" smtClean="0"/>
-              <a:t>obj</a:t>
+              <a:t>Lendo um .obj</a:t>
             </a:r>
             <a:endParaRPr lang="pt-BR" dirty="0"/>
           </a:p>
@@ -10203,4 +11881,265 @@
     </a:ext>
   </a:extLst>
 </a:theme>
+</file>
+
+<file path=ppt/theme/theme3.xml><?xml version="1.0" encoding="utf-8"?>
+<a:theme xmlns:a="http://schemas.openxmlformats.org/drawingml/2006/main" name="Tema do Office">
+  <a:themeElements>
+    <a:clrScheme name="Escritório">
+      <a:dk1>
+        <a:sysClr val="windowText" lastClr="000000"/>
+      </a:dk1>
+      <a:lt1>
+        <a:sysClr val="window" lastClr="FFFFFF"/>
+      </a:lt1>
+      <a:dk2>
+        <a:srgbClr val="44546A"/>
+      </a:dk2>
+      <a:lt2>
+        <a:srgbClr val="E7E6E6"/>
+      </a:lt2>
+      <a:accent1>
+        <a:srgbClr val="5B9BD5"/>
+      </a:accent1>
+      <a:accent2>
+        <a:srgbClr val="ED7D31"/>
+      </a:accent2>
+      <a:accent3>
+        <a:srgbClr val="A5A5A5"/>
+      </a:accent3>
+      <a:accent4>
+        <a:srgbClr val="FFC000"/>
+      </a:accent4>
+      <a:accent5>
+        <a:srgbClr val="4472C4"/>
+      </a:accent5>
+      <a:accent6>
+        <a:srgbClr val="70AD47"/>
+      </a:accent6>
+      <a:hlink>
+        <a:srgbClr val="0563C1"/>
+      </a:hlink>
+      <a:folHlink>
+        <a:srgbClr val="954F72"/>
+      </a:folHlink>
+    </a:clrScheme>
+    <a:fontScheme name="Escritório">
+      <a:majorFont>
+        <a:latin typeface="Calibri Light" panose="020F0302020204030204"/>
+        <a:ea typeface=""/>
+        <a:cs typeface=""/>
+        <a:font script="Jpan" typeface="ＭＳ Ｐゴシック"/>
+        <a:font script="Hang" typeface="맑은 고딕"/>
+        <a:font script="Hans" typeface="宋体"/>
+        <a:font script="Hant" typeface="新細明體"/>
+        <a:font script="Arab" typeface="Times New Roman"/>
+        <a:font script="Hebr" typeface="Times New Roman"/>
+        <a:font script="Thai" typeface="Angsana New"/>
+        <a:font script="Ethi" typeface="Nyala"/>
+        <a:font script="Beng" typeface="Vrinda"/>
+        <a:font script="Gujr" typeface="Shruti"/>
+        <a:font script="Khmr" typeface="MoolBoran"/>
+        <a:font script="Knda" typeface="Tunga"/>
+        <a:font script="Guru" typeface="Raavi"/>
+        <a:font script="Cans" typeface="Euphemia"/>
+        <a:font script="Cher" typeface="Plantagenet Cherokee"/>
+        <a:font script="Yiii" typeface="Microsoft Yi Baiti"/>
+        <a:font script="Tibt" typeface="Microsoft Himalaya"/>
+        <a:font script="Thaa" typeface="MV Boli"/>
+        <a:font script="Deva" typeface="Mangal"/>
+        <a:font script="Telu" typeface="Gautami"/>
+        <a:font script="Taml" typeface="Latha"/>
+        <a:font script="Syrc" typeface="Estrangelo Edessa"/>
+        <a:font script="Orya" typeface="Kalinga"/>
+        <a:font script="Mlym" typeface="Kartika"/>
+        <a:font script="Laoo" typeface="DokChampa"/>
+        <a:font script="Sinh" typeface="Iskoola Pota"/>
+        <a:font script="Mong" typeface="Mongolian Baiti"/>
+        <a:font script="Viet" typeface="Times New Roman"/>
+        <a:font script="Uigh" typeface="Microsoft Uighur"/>
+        <a:font script="Geor" typeface="Sylfaen"/>
+      </a:majorFont>
+      <a:minorFont>
+        <a:latin typeface="Calibri" panose="020F0502020204030204"/>
+        <a:ea typeface=""/>
+        <a:cs typeface=""/>
+        <a:font script="Jpan" typeface="ＭＳ Ｐゴシック"/>
+        <a:font script="Hang" typeface="맑은 고딕"/>
+        <a:font script="Hans" typeface="宋体"/>
+        <a:font script="Hant" typeface="新細明體"/>
+        <a:font script="Arab" typeface="Arial"/>
+        <a:font script="Hebr" typeface="Arial"/>
+        <a:font script="Thai" typeface="Cordia New"/>
+        <a:font script="Ethi" typeface="Nyala"/>
+        <a:font script="Beng" typeface="Vrinda"/>
+        <a:font script="Gujr" typeface="Shruti"/>
+        <a:font script="Khmr" typeface="DaunPenh"/>
+        <a:font script="Knda" typeface="Tunga"/>
+        <a:font script="Guru" typeface="Raavi"/>
+        <a:font script="Cans" typeface="Euphemia"/>
+        <a:font script="Cher" typeface="Plantagenet Cherokee"/>
+        <a:font script="Yiii" typeface="Microsoft Yi Baiti"/>
+        <a:font script="Tibt" typeface="Microsoft Himalaya"/>
+        <a:font script="Thaa" typeface="MV Boli"/>
+        <a:font script="Deva" typeface="Mangal"/>
+        <a:font script="Telu" typeface="Gautami"/>
+        <a:font script="Taml" typeface="Latha"/>
+        <a:font script="Syrc" typeface="Estrangelo Edessa"/>
+        <a:font script="Orya" typeface="Kalinga"/>
+        <a:font script="Mlym" typeface="Kartika"/>
+        <a:font script="Laoo" typeface="DokChampa"/>
+        <a:font script="Sinh" typeface="Iskoola Pota"/>
+        <a:font script="Mong" typeface="Mongolian Baiti"/>
+        <a:font script="Viet" typeface="Arial"/>
+        <a:font script="Uigh" typeface="Microsoft Uighur"/>
+        <a:font script="Geor" typeface="Sylfaen"/>
+      </a:minorFont>
+    </a:fontScheme>
+    <a:fmtScheme name="Escritório">
+      <a:fillStyleLst>
+        <a:solidFill>
+          <a:schemeClr val="phClr"/>
+        </a:solidFill>
+        <a:gradFill rotWithShape="1">
+          <a:gsLst>
+            <a:gs pos="0">
+              <a:schemeClr val="phClr">
+                <a:lumMod val="110000"/>
+                <a:satMod val="105000"/>
+                <a:tint val="67000"/>
+              </a:schemeClr>
+            </a:gs>
+            <a:gs pos="50000">
+              <a:schemeClr val="phClr">
+                <a:lumMod val="105000"/>
+                <a:satMod val="103000"/>
+                <a:tint val="73000"/>
+              </a:schemeClr>
+            </a:gs>
+            <a:gs pos="100000">
+              <a:schemeClr val="phClr">
+                <a:lumMod val="105000"/>
+                <a:satMod val="109000"/>
+                <a:tint val="81000"/>
+              </a:schemeClr>
+            </a:gs>
+          </a:gsLst>
+          <a:lin ang="5400000" scaled="0"/>
+        </a:gradFill>
+        <a:gradFill rotWithShape="1">
+          <a:gsLst>
+            <a:gs pos="0">
+              <a:schemeClr val="phClr">
+                <a:satMod val="103000"/>
+                <a:lumMod val="102000"/>
+                <a:tint val="94000"/>
+              </a:schemeClr>
+            </a:gs>
+            <a:gs pos="50000">
+              <a:schemeClr val="phClr">
+                <a:satMod val="110000"/>
+                <a:lumMod val="100000"/>
+                <a:shade val="100000"/>
+              </a:schemeClr>
+            </a:gs>
+            <a:gs pos="100000">
+              <a:schemeClr val="phClr">
+                <a:lumMod val="99000"/>
+                <a:satMod val="120000"/>
+                <a:shade val="78000"/>
+              </a:schemeClr>
+            </a:gs>
+          </a:gsLst>
+          <a:lin ang="5400000" scaled="0"/>
+        </a:gradFill>
+      </a:fillStyleLst>
+      <a:lnStyleLst>
+        <a:ln w="6350" cap="flat" cmpd="sng" algn="ctr">
+          <a:solidFill>
+            <a:schemeClr val="phClr"/>
+          </a:solidFill>
+          <a:prstDash val="solid"/>
+          <a:miter lim="800000"/>
+        </a:ln>
+        <a:ln w="12700" cap="flat" cmpd="sng" algn="ctr">
+          <a:solidFill>
+            <a:schemeClr val="phClr"/>
+          </a:solidFill>
+          <a:prstDash val="solid"/>
+          <a:miter lim="800000"/>
+        </a:ln>
+        <a:ln w="19050" cap="flat" cmpd="sng" algn="ctr">
+          <a:solidFill>
+            <a:schemeClr val="phClr"/>
+          </a:solidFill>
+          <a:prstDash val="solid"/>
+          <a:miter lim="800000"/>
+        </a:ln>
+      </a:lnStyleLst>
+      <a:effectStyleLst>
+        <a:effectStyle>
+          <a:effectLst/>
+        </a:effectStyle>
+        <a:effectStyle>
+          <a:effectLst/>
+        </a:effectStyle>
+        <a:effectStyle>
+          <a:effectLst>
+            <a:outerShdw blurRad="57150" dist="19050" dir="5400000" algn="ctr" rotWithShape="0">
+              <a:srgbClr val="000000">
+                <a:alpha val="63000"/>
+              </a:srgbClr>
+            </a:outerShdw>
+          </a:effectLst>
+        </a:effectStyle>
+      </a:effectStyleLst>
+      <a:bgFillStyleLst>
+        <a:solidFill>
+          <a:schemeClr val="phClr"/>
+        </a:solidFill>
+        <a:solidFill>
+          <a:schemeClr val="phClr">
+            <a:tint val="95000"/>
+            <a:satMod val="170000"/>
+          </a:schemeClr>
+        </a:solidFill>
+        <a:gradFill rotWithShape="1">
+          <a:gsLst>
+            <a:gs pos="0">
+              <a:schemeClr val="phClr">
+                <a:tint val="93000"/>
+                <a:satMod val="150000"/>
+                <a:shade val="98000"/>
+                <a:lumMod val="102000"/>
+              </a:schemeClr>
+            </a:gs>
+            <a:gs pos="50000">
+              <a:schemeClr val="phClr">
+                <a:tint val="98000"/>
+                <a:satMod val="130000"/>
+                <a:shade val="90000"/>
+                <a:lumMod val="103000"/>
+              </a:schemeClr>
+            </a:gs>
+            <a:gs pos="100000">
+              <a:schemeClr val="phClr">
+                <a:shade val="63000"/>
+                <a:satMod val="120000"/>
+              </a:schemeClr>
+            </a:gs>
+          </a:gsLst>
+          <a:lin ang="5400000" scaled="0"/>
+        </a:gradFill>
+      </a:bgFillStyleLst>
+    </a:fmtScheme>
+  </a:themeElements>
+  <a:objectDefaults/>
+  <a:extraClrSchemeLst/>
+  <a:extLst>
+    <a:ext uri="{05A4C25C-085E-4340-85A3-A5531E510DB2}">
+      <thm15:themeFamily xmlns:thm15="http://schemas.microsoft.com/office/thememl/2012/main" name="Office Theme" id="{62F939B6-93AF-4DB8-9C6B-D6C7DFDC589F}" vid="{4A3C46E8-61CC-4603-A589-7422A47A8E4A}"/>
+    </a:ext>
+  </a:extLst>
+</a:theme>
 </file>
--- a/apresentação/Trabalho de CG1.pptx
+++ b/apresentação/Trabalho de CG1.pptx
@@ -232,7 +232,7 @@
           <a:p>
             <a:fld id="{0DF8C7BA-04B3-4940-8B97-C89C8D4DA5CB}" type="datetimeFigureOut">
               <a:rPr lang="pt-BR" smtClean="0"/>
-              <a:t>21/09/2014</a:t>
+              <a:t>22/09/2014</a:t>
             </a:fld>
             <a:endParaRPr lang="pt-BR" dirty="0"/>
           </a:p>
@@ -397,7 +397,7 @@
           <a:p>
             <a:fld id="{CD40701B-493A-4301-887B-702D47DB3F9E}" type="datetimeFigureOut">
               <a:rPr lang="pt-BR" smtClean="0"/>
-              <a:t>21/09/2014</a:t>
+              <a:t>22/09/2014</a:t>
             </a:fld>
             <a:endParaRPr lang="pt-BR" dirty="0"/>
           </a:p>
@@ -987,7 +987,7 @@
           <a:p>
             <a:fld id="{C764DE79-268F-4C1A-8933-263129D2AF90}" type="datetimeFigureOut">
               <a:rPr lang="en-US" smtClean="0"/>
-              <a:t>21/9/2014</a:t>
+              <a:t>22/9/2014</a:t>
             </a:fld>
             <a:endParaRPr lang="en-US" dirty="0"/>
           </a:p>
@@ -1157,7 +1157,7 @@
           <a:p>
             <a:fld id="{C764DE79-268F-4C1A-8933-263129D2AF90}" type="datetimeFigureOut">
               <a:rPr lang="en-US" smtClean="0"/>
-              <a:t>21/9/2014</a:t>
+              <a:t>22/9/2014</a:t>
             </a:fld>
             <a:endParaRPr lang="en-US" dirty="0"/>
           </a:p>
@@ -1337,7 +1337,7 @@
           <a:p>
             <a:fld id="{C764DE79-268F-4C1A-8933-263129D2AF90}" type="datetimeFigureOut">
               <a:rPr lang="en-US" smtClean="0"/>
-              <a:t>21/9/2014</a:t>
+              <a:t>22/9/2014</a:t>
             </a:fld>
             <a:endParaRPr lang="en-US" dirty="0"/>
           </a:p>
@@ -1507,7 +1507,7 @@
           <a:p>
             <a:fld id="{C764DE79-268F-4C1A-8933-263129D2AF90}" type="datetimeFigureOut">
               <a:rPr lang="en-US" smtClean="0"/>
-              <a:t>21/9/2014</a:t>
+              <a:t>22/9/2014</a:t>
             </a:fld>
             <a:endParaRPr lang="en-US" dirty="0"/>
           </a:p>
@@ -1786,7 +1786,7 @@
           <a:p>
             <a:fld id="{C764DE79-268F-4C1A-8933-263129D2AF90}" type="datetimeFigureOut">
               <a:rPr lang="en-US" smtClean="0"/>
-              <a:t>21/9/2014</a:t>
+              <a:t>22/9/2014</a:t>
             </a:fld>
             <a:endParaRPr lang="en-US" dirty="0"/>
           </a:p>
@@ -2022,7 +2022,7 @@
           <a:p>
             <a:fld id="{C764DE79-268F-4C1A-8933-263129D2AF90}" type="datetimeFigureOut">
               <a:rPr lang="en-US" smtClean="0"/>
-              <a:t>21/9/2014</a:t>
+              <a:t>22/9/2014</a:t>
             </a:fld>
             <a:endParaRPr lang="en-US" dirty="0"/>
           </a:p>
@@ -2389,7 +2389,7 @@
           <a:p>
             <a:fld id="{C764DE79-268F-4C1A-8933-263129D2AF90}" type="datetimeFigureOut">
               <a:rPr lang="en-US" smtClean="0"/>
-              <a:t>21/9/2014</a:t>
+              <a:t>22/9/2014</a:t>
             </a:fld>
             <a:endParaRPr lang="en-US" dirty="0"/>
           </a:p>
@@ -2507,7 +2507,7 @@
           <a:p>
             <a:fld id="{C764DE79-268F-4C1A-8933-263129D2AF90}" type="datetimeFigureOut">
               <a:rPr lang="en-US" smtClean="0"/>
-              <a:t>21/9/2014</a:t>
+              <a:t>22/9/2014</a:t>
             </a:fld>
             <a:endParaRPr lang="en-US" dirty="0"/>
           </a:p>
@@ -2602,7 +2602,7 @@
           <a:p>
             <a:fld id="{C764DE79-268F-4C1A-8933-263129D2AF90}" type="datetimeFigureOut">
               <a:rPr lang="en-US" smtClean="0"/>
-              <a:t>21/9/2014</a:t>
+              <a:t>22/9/2014</a:t>
             </a:fld>
             <a:endParaRPr lang="en-US" dirty="0"/>
           </a:p>
@@ -2879,7 +2879,7 @@
           <a:p>
             <a:fld id="{C764DE79-268F-4C1A-8933-263129D2AF90}" type="datetimeFigureOut">
               <a:rPr lang="en-US" smtClean="0"/>
-              <a:t>21/9/2014</a:t>
+              <a:t>22/9/2014</a:t>
             </a:fld>
             <a:endParaRPr lang="en-US" dirty="0"/>
           </a:p>
@@ -3136,7 +3136,7 @@
           <a:p>
             <a:fld id="{C764DE79-268F-4C1A-8933-263129D2AF90}" type="datetimeFigureOut">
               <a:rPr lang="en-US" smtClean="0"/>
-              <a:t>21/9/2014</a:t>
+              <a:t>22/9/2014</a:t>
             </a:fld>
             <a:endParaRPr lang="en-US" dirty="0"/>
           </a:p>
@@ -3352,7 +3352,7 @@
           <a:p>
             <a:fld id="{C764DE79-268F-4C1A-8933-263129D2AF90}" type="datetimeFigureOut">
               <a:rPr lang="en-US" smtClean="0"/>
-              <a:t>21/9/2014</a:t>
+              <a:t>22/9/2014</a:t>
             </a:fld>
             <a:endParaRPr lang="en-US" dirty="0"/>
           </a:p>
@@ -7725,7 +7725,19 @@
           <a:p>
             <a:r>
               <a:rPr lang="pt-BR" dirty="0" smtClean="0"/>
-              <a:t>Quanto um ‘g’ é lido, empilhamos um novo grupo  e todos os próximos vértices iram fazer parte do topo da pilha.</a:t>
+              <a:t>Quando </a:t>
+            </a:r>
+            <a:r>
+              <a:rPr lang="pt-BR" dirty="0" smtClean="0"/>
+              <a:t>um ‘g’ é lido, empilhamos um novo grupo  e todos os próximos vértices </a:t>
+            </a:r>
+            <a:r>
+              <a:rPr lang="pt-BR" dirty="0" smtClean="0"/>
+              <a:t>irão </a:t>
+            </a:r>
+            <a:r>
+              <a:rPr lang="pt-BR" dirty="0" smtClean="0"/>
+              <a:t>fazer parte do topo da pilha.</a:t>
             </a:r>
           </a:p>
           <a:p>
@@ -8329,8 +8341,8 @@
           </a:p>
         </p:txBody>
       </p:sp>
-      <mc:AlternateContent xmlns:mc="http://schemas.openxmlformats.org/markup-compatibility/2006">
-        <mc:Choice xmlns:a14="http://schemas.microsoft.com/office/drawing/2010/main" Requires="a14">
+      <mc:AlternateContent xmlns:mc="http://schemas.openxmlformats.org/markup-compatibility/2006" xmlns:a14="http://schemas.microsoft.com/office/drawing/2010/main">
+        <mc:Choice Requires="a14">
           <p:sp>
             <p:nvSpPr>
               <p:cNvPr id="7" name="Espaço Reservado para Conteúdo 6"/>
@@ -8489,7 +8501,7 @@
             </p:txBody>
           </p:sp>
         </mc:Choice>
-        <mc:Fallback>
+        <mc:Fallback xmlns="">
           <p:sp>
             <p:nvSpPr>
               <p:cNvPr id="7" name="Espaço Reservado para Conteúdo 6"/>
@@ -8751,11 +8763,11 @@
   <p:clrMapOvr>
     <a:masterClrMapping/>
   </p:clrMapOvr>
-  <mc:AlternateContent xmlns:mc="http://schemas.openxmlformats.org/markup-compatibility/2006">
-    <mc:Choice xmlns:p14="http://schemas.microsoft.com/office/powerpoint/2010/main" Requires="p14">
+  <mc:AlternateContent xmlns:mc="http://schemas.openxmlformats.org/markup-compatibility/2006" xmlns:p14="http://schemas.microsoft.com/office/powerpoint/2010/main">
+    <mc:Choice Requires="p14">
       <p:transition spd="slow" p14:dur="2000"/>
     </mc:Choice>
-    <mc:Fallback>
+    <mc:Fallback xmlns="">
       <p:transition spd="slow"/>
     </mc:Fallback>
   </mc:AlternateContent>
@@ -10159,15 +10171,7 @@
           <a:p>
             <a:r>
               <a:rPr lang="pt-BR" dirty="0" smtClean="0"/>
-              <a:t>SketchUp</a:t>
-            </a:r>
-            <a:r>
-              <a:rPr lang="pt-BR" dirty="0" smtClean="0"/>
-              <a:t> </a:t>
-            </a:r>
-            <a:r>
-              <a:rPr lang="pt-BR" dirty="0" smtClean="0"/>
-              <a:t>Make</a:t>
+              <a:t>SketchUp Make</a:t>
             </a:r>
             <a:endParaRPr lang="pt-BR" dirty="0"/>
           </a:p>
@@ -10219,23 +10223,11 @@
           <a:p>
             <a:r>
               <a:rPr lang="pt-BR" dirty="0" smtClean="0"/>
-              <a:t>Sketchup</a:t>
-            </a:r>
-            <a:r>
-              <a:rPr lang="pt-BR" dirty="0" smtClean="0"/>
-              <a:t> era uma ferramenta </a:t>
+              <a:t>Sketchup era uma ferramenta </a:t>
             </a:r>
             <a:r>
               <a:rPr lang="pt-BR" dirty="0"/>
-              <a:t>do @</a:t>
-            </a:r>
-            <a:r>
-              <a:rPr lang="pt-BR" dirty="0"/>
-              <a:t>Last</a:t>
-            </a:r>
-            <a:r>
-              <a:rPr lang="pt-BR" dirty="0"/>
-              <a:t> </a:t>
+              <a:t>do @Last </a:t>
             </a:r>
             <a:r>
               <a:rPr lang="pt-BR" dirty="0" smtClean="0"/>
